--- a/AIB17_Section1_Project_김현섭.pptx
+++ b/AIB17_Section1_Project_김현섭.pptx
@@ -21,36 +21,40 @@
     <p:sldId id="287" r:id="rId15"/>
     <p:sldId id="290" r:id="rId16"/>
     <p:sldId id="310" r:id="rId17"/>
-    <p:sldId id="296" r:id="rId18"/>
-    <p:sldId id="297" r:id="rId19"/>
-    <p:sldId id="298" r:id="rId20"/>
-    <p:sldId id="299" r:id="rId21"/>
-    <p:sldId id="300" r:id="rId22"/>
-    <p:sldId id="301" r:id="rId23"/>
-    <p:sldId id="302" r:id="rId24"/>
-    <p:sldId id="303" r:id="rId25"/>
-    <p:sldId id="304" r:id="rId26"/>
-    <p:sldId id="308" r:id="rId27"/>
-    <p:sldId id="311" r:id="rId28"/>
-    <p:sldId id="312" r:id="rId29"/>
-    <p:sldId id="313" r:id="rId30"/>
-    <p:sldId id="263" r:id="rId31"/>
+    <p:sldId id="317" r:id="rId18"/>
+    <p:sldId id="296" r:id="rId19"/>
+    <p:sldId id="318" r:id="rId20"/>
+    <p:sldId id="297" r:id="rId21"/>
+    <p:sldId id="319" r:id="rId22"/>
+    <p:sldId id="298" r:id="rId23"/>
+    <p:sldId id="320" r:id="rId24"/>
+    <p:sldId id="299" r:id="rId25"/>
+    <p:sldId id="300" r:id="rId26"/>
+    <p:sldId id="301" r:id="rId27"/>
+    <p:sldId id="302" r:id="rId28"/>
+    <p:sldId id="303" r:id="rId29"/>
+    <p:sldId id="304" r:id="rId30"/>
+    <p:sldId id="308" r:id="rId31"/>
+    <p:sldId id="311" r:id="rId32"/>
+    <p:sldId id="312" r:id="rId33"/>
+    <p:sldId id="313" r:id="rId34"/>
+    <p:sldId id="263" r:id="rId35"/>
   </p:sldIdLst>
   <p:sldSz cx="12192000" cy="6858000"/>
   <p:notesSz cx="6858000" cy="9144000"/>
   <p:embeddedFontLst>
     <p:embeddedFont>
       <p:font typeface="둥근모꼴" panose="020B0600000101010101" charset="-127"/>
-      <p:regular r:id="rId32"/>
+      <p:regular r:id="rId36"/>
     </p:embeddedFont>
     <p:embeddedFont>
       <p:font typeface="나눔스퀘어 Light" panose="020B0600000101010101" pitchFamily="50" charset="-127"/>
-      <p:regular r:id="rId33"/>
+      <p:regular r:id="rId37"/>
     </p:embeddedFont>
     <p:embeddedFont>
       <p:font typeface="맑은 고딕" panose="020B0503020000020004" pitchFamily="50" charset="-127"/>
-      <p:regular r:id="rId34"/>
-      <p:bold r:id="rId35"/>
+      <p:regular r:id="rId38"/>
+      <p:bold r:id="rId39"/>
     </p:embeddedFont>
   </p:embeddedFontLst>
   <p:defaultTextStyle>
@@ -303,7 +307,7 @@
           <a:p>
             <a:fld id="{6FF287E6-343F-44AF-9998-ADBF016BA9F2}" type="datetimeFigureOut">
               <a:rPr lang="ko-KR" altLang="en-US" smtClean="0"/>
-              <a:t>2023-01-08</a:t>
+              <a:t>2023-01-09</a:t>
             </a:fld>
             <a:endParaRPr lang="ko-KR" altLang="en-US"/>
           </a:p>
@@ -501,7 +505,7 @@
           <a:p>
             <a:fld id="{6FF287E6-343F-44AF-9998-ADBF016BA9F2}" type="datetimeFigureOut">
               <a:rPr lang="ko-KR" altLang="en-US" smtClean="0"/>
-              <a:t>2023-01-08</a:t>
+              <a:t>2023-01-09</a:t>
             </a:fld>
             <a:endParaRPr lang="ko-KR" altLang="en-US"/>
           </a:p>
@@ -709,7 +713,7 @@
           <a:p>
             <a:fld id="{6FF287E6-343F-44AF-9998-ADBF016BA9F2}" type="datetimeFigureOut">
               <a:rPr lang="ko-KR" altLang="en-US" smtClean="0"/>
-              <a:t>2023-01-08</a:t>
+              <a:t>2023-01-09</a:t>
             </a:fld>
             <a:endParaRPr lang="ko-KR" altLang="en-US"/>
           </a:p>
@@ -907,7 +911,7 @@
           <a:p>
             <a:fld id="{6FF287E6-343F-44AF-9998-ADBF016BA9F2}" type="datetimeFigureOut">
               <a:rPr lang="ko-KR" altLang="en-US" smtClean="0"/>
-              <a:t>2023-01-08</a:t>
+              <a:t>2023-01-09</a:t>
             </a:fld>
             <a:endParaRPr lang="ko-KR" altLang="en-US"/>
           </a:p>
@@ -1182,7 +1186,7 @@
           <a:p>
             <a:fld id="{6FF287E6-343F-44AF-9998-ADBF016BA9F2}" type="datetimeFigureOut">
               <a:rPr lang="ko-KR" altLang="en-US" smtClean="0"/>
-              <a:t>2023-01-08</a:t>
+              <a:t>2023-01-09</a:t>
             </a:fld>
             <a:endParaRPr lang="ko-KR" altLang="en-US"/>
           </a:p>
@@ -1447,7 +1451,7 @@
           <a:p>
             <a:fld id="{6FF287E6-343F-44AF-9998-ADBF016BA9F2}" type="datetimeFigureOut">
               <a:rPr lang="ko-KR" altLang="en-US" smtClean="0"/>
-              <a:t>2023-01-08</a:t>
+              <a:t>2023-01-09</a:t>
             </a:fld>
             <a:endParaRPr lang="ko-KR" altLang="en-US"/>
           </a:p>
@@ -1859,7 +1863,7 @@
           <a:p>
             <a:fld id="{6FF287E6-343F-44AF-9998-ADBF016BA9F2}" type="datetimeFigureOut">
               <a:rPr lang="ko-KR" altLang="en-US" smtClean="0"/>
-              <a:t>2023-01-08</a:t>
+              <a:t>2023-01-09</a:t>
             </a:fld>
             <a:endParaRPr lang="ko-KR" altLang="en-US"/>
           </a:p>
@@ -2000,7 +2004,7 @@
           <a:p>
             <a:fld id="{6FF287E6-343F-44AF-9998-ADBF016BA9F2}" type="datetimeFigureOut">
               <a:rPr lang="ko-KR" altLang="en-US" smtClean="0"/>
-              <a:t>2023-01-08</a:t>
+              <a:t>2023-01-09</a:t>
             </a:fld>
             <a:endParaRPr lang="ko-KR" altLang="en-US"/>
           </a:p>
@@ -2113,7 +2117,7 @@
           <a:p>
             <a:fld id="{6FF287E6-343F-44AF-9998-ADBF016BA9F2}" type="datetimeFigureOut">
               <a:rPr lang="ko-KR" altLang="en-US" smtClean="0"/>
-              <a:t>2023-01-08</a:t>
+              <a:t>2023-01-09</a:t>
             </a:fld>
             <a:endParaRPr lang="ko-KR" altLang="en-US"/>
           </a:p>
@@ -2424,7 +2428,7 @@
           <a:p>
             <a:fld id="{6FF287E6-343F-44AF-9998-ADBF016BA9F2}" type="datetimeFigureOut">
               <a:rPr lang="ko-KR" altLang="en-US" smtClean="0"/>
-              <a:t>2023-01-08</a:t>
+              <a:t>2023-01-09</a:t>
             </a:fld>
             <a:endParaRPr lang="ko-KR" altLang="en-US"/>
           </a:p>
@@ -2712,7 +2716,7 @@
           <a:p>
             <a:fld id="{6FF287E6-343F-44AF-9998-ADBF016BA9F2}" type="datetimeFigureOut">
               <a:rPr lang="ko-KR" altLang="en-US" smtClean="0"/>
-              <a:t>2023-01-08</a:t>
+              <a:t>2023-01-09</a:t>
             </a:fld>
             <a:endParaRPr lang="ko-KR" altLang="en-US"/>
           </a:p>
@@ -2962,7 +2966,7 @@
           <a:p>
             <a:fld id="{6FF287E6-343F-44AF-9998-ADBF016BA9F2}" type="datetimeFigureOut">
               <a:rPr lang="ko-KR" altLang="en-US" smtClean="0"/>
-              <a:t>2023-01-08</a:t>
+              <a:t>2023-01-09</a:t>
             </a:fld>
             <a:endParaRPr lang="ko-KR" altLang="en-US"/>
           </a:p>
@@ -7469,10 +7473,10 @@
       </p:sp>
       <p:sp>
         <p:nvSpPr>
-          <p:cNvPr id="2" name="TextBox 1">
+          <p:cNvPr id="4" name="TextBox 3">
             <a:extLst>
               <a:ext uri="{FF2B5EF4-FFF2-40B4-BE49-F238E27FC236}">
-                <a16:creationId xmlns:a16="http://schemas.microsoft.com/office/drawing/2014/main" id="{77AA559E-25D1-DE3D-FD71-ED82E8793495}"/>
+                <a16:creationId xmlns:a16="http://schemas.microsoft.com/office/drawing/2014/main" id="{D3168377-5A37-16F9-78F8-2DC8F48E20E8}"/>
               </a:ext>
             </a:extLst>
           </p:cNvPr>
@@ -7520,7 +7524,7 @@
                 <a:ea typeface="둥근모꼴" panose="020B0500000000000000" pitchFamily="50" charset="-127"/>
                 <a:cs typeface="둥근모꼴" panose="020B0500000000000000" pitchFamily="50" charset="-127"/>
               </a:rPr>
-              <a:t>북미 </a:t>
+              <a:t>전체 </a:t>
             </a:r>
             <a:r>
               <a:rPr lang="en-US" altLang="ko-KR" sz="3000" b="1" dirty="0">
@@ -7582,7 +7586,7 @@
     </p:spTree>
     <p:extLst>
       <p:ext uri="{BB962C8B-B14F-4D97-AF65-F5344CB8AC3E}">
-        <p14:creationId xmlns:p14="http://schemas.microsoft.com/office/powerpoint/2010/main" val="1004666278"/>
+        <p14:creationId xmlns:p14="http://schemas.microsoft.com/office/powerpoint/2010/main" val="149607868"/>
       </p:ext>
     </p:extLst>
   </p:cSld>
@@ -7742,7 +7746,7 @@
                 <a:ea typeface="둥근모꼴" panose="020B0500000000000000" pitchFamily="50" charset="-127"/>
                 <a:cs typeface="둥근모꼴" panose="020B0500000000000000" pitchFamily="50" charset="-127"/>
               </a:rPr>
-              <a:t>유럽 </a:t>
+              <a:t>북미 </a:t>
             </a:r>
             <a:r>
               <a:rPr lang="en-US" altLang="ko-KR" sz="3000" b="1" dirty="0">
@@ -7804,7 +7808,7 @@
     </p:spTree>
     <p:extLst>
       <p:ext uri="{BB962C8B-B14F-4D97-AF65-F5344CB8AC3E}">
-        <p14:creationId xmlns:p14="http://schemas.microsoft.com/office/powerpoint/2010/main" val="1914035307"/>
+        <p14:creationId xmlns:p14="http://schemas.microsoft.com/office/powerpoint/2010/main" val="1004666278"/>
       </p:ext>
     </p:extLst>
   </p:cSld>
@@ -7964,7 +7968,7 @@
                 <a:ea typeface="둥근모꼴" panose="020B0500000000000000" pitchFamily="50" charset="-127"/>
                 <a:cs typeface="둥근모꼴" panose="020B0500000000000000" pitchFamily="50" charset="-127"/>
               </a:rPr>
-              <a:t>일본 </a:t>
+              <a:t>북미 </a:t>
             </a:r>
             <a:r>
               <a:rPr lang="en-US" altLang="ko-KR" sz="3000" b="1" dirty="0">
@@ -8026,7 +8030,7 @@
     </p:spTree>
     <p:extLst>
       <p:ext uri="{BB962C8B-B14F-4D97-AF65-F5344CB8AC3E}">
-        <p14:creationId xmlns:p14="http://schemas.microsoft.com/office/powerpoint/2010/main" val="4003119575"/>
+        <p14:creationId xmlns:p14="http://schemas.microsoft.com/office/powerpoint/2010/main" val="2683274079"/>
       </p:ext>
     </p:extLst>
   </p:cSld>
@@ -9854,6 +9858,894 @@
 <file path=ppt/slides/slide20.xml><?xml version="1.0" encoding="utf-8"?>
 <p:sld xmlns:a="http://schemas.openxmlformats.org/drawingml/2006/main" xmlns:r="http://schemas.openxmlformats.org/officeDocument/2006/relationships" xmlns:p="http://schemas.openxmlformats.org/presentationml/2006/main">
   <p:cSld>
+    <p:bg>
+      <p:bgPr>
+        <a:blipFill dpi="0" rotWithShape="1">
+          <a:blip r:embed="rId2">
+            <a:lum/>
+          </a:blip>
+          <a:srcRect/>
+          <a:stretch>
+            <a:fillRect/>
+          </a:stretch>
+        </a:blipFill>
+        <a:effectLst/>
+      </p:bgPr>
+    </p:bg>
+    <p:spTree>
+      <p:nvGrpSpPr>
+        <p:cNvPr id="1" name=""/>
+        <p:cNvGrpSpPr/>
+        <p:nvPr/>
+      </p:nvGrpSpPr>
+      <p:grpSpPr>
+        <a:xfrm>
+          <a:off x="0" y="0"/>
+          <a:ext cx="0" cy="0"/>
+          <a:chOff x="0" y="0"/>
+          <a:chExt cx="0" cy="0"/>
+        </a:xfrm>
+      </p:grpSpPr>
+      <p:sp>
+        <p:nvSpPr>
+          <p:cNvPr id="27" name="직사각형 26">
+            <a:extLst>
+              <a:ext uri="{FF2B5EF4-FFF2-40B4-BE49-F238E27FC236}">
+                <a16:creationId xmlns:a16="http://schemas.microsoft.com/office/drawing/2014/main" id="{42153F23-429E-4B20-A293-27FBC09DA6C5}"/>
+              </a:ext>
+            </a:extLst>
+          </p:cNvPr>
+          <p:cNvSpPr/>
+          <p:nvPr/>
+        </p:nvSpPr>
+        <p:spPr>
+          <a:xfrm>
+            <a:off x="1295400" y="1787362"/>
+            <a:ext cx="9522417" cy="3983438"/>
+          </a:xfrm>
+          <a:prstGeom prst="rect">
+            <a:avLst/>
+          </a:prstGeom>
+          <a:blipFill dpi="0" rotWithShape="1">
+            <a:blip r:embed="rId3">
+              <a:extLst>
+                <a:ext uri="{28A0092B-C50C-407E-A947-70E740481C1C}">
+                  <a14:useLocalDpi xmlns:a14="http://schemas.microsoft.com/office/drawing/2010/main" val="0"/>
+                </a:ext>
+              </a:extLst>
+            </a:blip>
+            <a:srcRect/>
+            <a:stretch>
+              <a:fillRect/>
+            </a:stretch>
+          </a:blipFill>
+          <a:ln w="3175">
+            <a:solidFill>
+              <a:schemeClr val="bg2">
+                <a:lumMod val="25000"/>
+              </a:schemeClr>
+            </a:solidFill>
+          </a:ln>
+        </p:spPr>
+        <p:style>
+          <a:lnRef idx="2">
+            <a:schemeClr val="accent1">
+              <a:shade val="50000"/>
+            </a:schemeClr>
+          </a:lnRef>
+          <a:fillRef idx="1">
+            <a:schemeClr val="accent1"/>
+          </a:fillRef>
+          <a:effectRef idx="0">
+            <a:schemeClr val="accent1"/>
+          </a:effectRef>
+          <a:fontRef idx="minor">
+            <a:schemeClr val="lt1"/>
+          </a:fontRef>
+        </p:style>
+        <p:txBody>
+          <a:bodyPr rtlCol="0" anchor="ctr"/>
+          <a:lstStyle/>
+          <a:p>
+            <a:pPr algn="ctr"/>
+            <a:endParaRPr lang="ko-KR" altLang="en-US" dirty="0"/>
+          </a:p>
+        </p:txBody>
+      </p:sp>
+      <p:sp>
+        <p:nvSpPr>
+          <p:cNvPr id="2" name="TextBox 1">
+            <a:extLst>
+              <a:ext uri="{FF2B5EF4-FFF2-40B4-BE49-F238E27FC236}">
+                <a16:creationId xmlns:a16="http://schemas.microsoft.com/office/drawing/2014/main" id="{77AA559E-25D1-DE3D-FD71-ED82E8793495}"/>
+              </a:ext>
+            </a:extLst>
+          </p:cNvPr>
+          <p:cNvSpPr txBox="1"/>
+          <p:nvPr/>
+        </p:nvSpPr>
+        <p:spPr>
+          <a:xfrm>
+            <a:off x="4472899" y="1020676"/>
+            <a:ext cx="3246201" cy="553998"/>
+          </a:xfrm>
+          <a:prstGeom prst="rect">
+            <a:avLst/>
+          </a:prstGeom>
+          <a:noFill/>
+        </p:spPr>
+        <p:txBody>
+          <a:bodyPr wrap="square" rtlCol="0">
+            <a:spAutoFit/>
+          </a:bodyPr>
+          <a:lstStyle/>
+          <a:p>
+            <a:r>
+              <a:rPr lang="ko-KR" altLang="en-US" sz="3000" b="1" dirty="0">
+                <a:ln w="31750">
+                  <a:solidFill>
+                    <a:schemeClr val="tx1">
+                      <a:lumMod val="85000"/>
+                      <a:lumOff val="15000"/>
+                    </a:schemeClr>
+                  </a:solidFill>
+                  <a:prstDash val="solid"/>
+                </a:ln>
+                <a:solidFill>
+                  <a:srgbClr val="F76FE7"/>
+                </a:solidFill>
+                <a:effectLst>
+                  <a:outerShdw dist="76200" dir="3360000" algn="bl" rotWithShape="0">
+                    <a:schemeClr val="tx2">
+                      <a:lumMod val="75000"/>
+                    </a:schemeClr>
+                  </a:outerShdw>
+                </a:effectLst>
+                <a:latin typeface="둥근모꼴" panose="020B0500000000000000" pitchFamily="50" charset="-127"/>
+                <a:ea typeface="둥근모꼴" panose="020B0500000000000000" pitchFamily="50" charset="-127"/>
+                <a:cs typeface="둥근모꼴" panose="020B0500000000000000" pitchFamily="50" charset="-127"/>
+              </a:rPr>
+              <a:t>유럽 </a:t>
+            </a:r>
+            <a:r>
+              <a:rPr lang="en-US" altLang="ko-KR" sz="3000" b="1" dirty="0">
+                <a:ln w="31750">
+                  <a:solidFill>
+                    <a:schemeClr val="tx1">
+                      <a:lumMod val="85000"/>
+                      <a:lumOff val="15000"/>
+                    </a:schemeClr>
+                  </a:solidFill>
+                  <a:prstDash val="solid"/>
+                </a:ln>
+                <a:solidFill>
+                  <a:srgbClr val="F76FE7"/>
+                </a:solidFill>
+                <a:effectLst>
+                  <a:outerShdw dist="76200" dir="3360000" algn="bl" rotWithShape="0">
+                    <a:schemeClr val="tx2">
+                      <a:lumMod val="75000"/>
+                    </a:schemeClr>
+                  </a:outerShdw>
+                </a:effectLst>
+                <a:latin typeface="둥근모꼴" panose="020B0500000000000000" pitchFamily="50" charset="-127"/>
+                <a:ea typeface="둥근모꼴" panose="020B0500000000000000" pitchFamily="50" charset="-127"/>
+                <a:cs typeface="둥근모꼴" panose="020B0500000000000000" pitchFamily="50" charset="-127"/>
+              </a:rPr>
+              <a:t>TOT 10 </a:t>
+            </a:r>
+            <a:r>
+              <a:rPr lang="ko-KR" altLang="en-US" sz="3000" b="1" dirty="0">
+                <a:ln w="31750">
+                  <a:solidFill>
+                    <a:schemeClr val="tx1">
+                      <a:lumMod val="85000"/>
+                      <a:lumOff val="15000"/>
+                    </a:schemeClr>
+                  </a:solidFill>
+                  <a:prstDash val="solid"/>
+                </a:ln>
+                <a:solidFill>
+                  <a:srgbClr val="F76FE7"/>
+                </a:solidFill>
+                <a:effectLst>
+                  <a:outerShdw dist="76200" dir="3360000" algn="bl" rotWithShape="0">
+                    <a:schemeClr val="tx2">
+                      <a:lumMod val="75000"/>
+                    </a:schemeClr>
+                  </a:outerShdw>
+                </a:effectLst>
+                <a:latin typeface="둥근모꼴" panose="020B0500000000000000" pitchFamily="50" charset="-127"/>
+                <a:ea typeface="둥근모꼴" panose="020B0500000000000000" pitchFamily="50" charset="-127"/>
+                <a:cs typeface="둥근모꼴" panose="020B0500000000000000" pitchFamily="50" charset="-127"/>
+              </a:rPr>
+              <a:t>게임</a:t>
+            </a:r>
+          </a:p>
+        </p:txBody>
+      </p:sp>
+    </p:spTree>
+    <p:extLst>
+      <p:ext uri="{BB962C8B-B14F-4D97-AF65-F5344CB8AC3E}">
+        <p14:creationId xmlns:p14="http://schemas.microsoft.com/office/powerpoint/2010/main" val="1914035307"/>
+      </p:ext>
+    </p:extLst>
+  </p:cSld>
+  <p:clrMapOvr>
+    <a:masterClrMapping/>
+  </p:clrMapOvr>
+</p:sld>
+</file>
+
+<file path=ppt/slides/slide21.xml><?xml version="1.0" encoding="utf-8"?>
+<p:sld xmlns:a="http://schemas.openxmlformats.org/drawingml/2006/main" xmlns:r="http://schemas.openxmlformats.org/officeDocument/2006/relationships" xmlns:p="http://schemas.openxmlformats.org/presentationml/2006/main">
+  <p:cSld>
+    <p:bg>
+      <p:bgPr>
+        <a:blipFill dpi="0" rotWithShape="1">
+          <a:blip r:embed="rId2">
+            <a:lum/>
+          </a:blip>
+          <a:srcRect/>
+          <a:stretch>
+            <a:fillRect/>
+          </a:stretch>
+        </a:blipFill>
+        <a:effectLst/>
+      </p:bgPr>
+    </p:bg>
+    <p:spTree>
+      <p:nvGrpSpPr>
+        <p:cNvPr id="1" name=""/>
+        <p:cNvGrpSpPr/>
+        <p:nvPr/>
+      </p:nvGrpSpPr>
+      <p:grpSpPr>
+        <a:xfrm>
+          <a:off x="0" y="0"/>
+          <a:ext cx="0" cy="0"/>
+          <a:chOff x="0" y="0"/>
+          <a:chExt cx="0" cy="0"/>
+        </a:xfrm>
+      </p:grpSpPr>
+      <p:sp>
+        <p:nvSpPr>
+          <p:cNvPr id="27" name="직사각형 26">
+            <a:extLst>
+              <a:ext uri="{FF2B5EF4-FFF2-40B4-BE49-F238E27FC236}">
+                <a16:creationId xmlns:a16="http://schemas.microsoft.com/office/drawing/2014/main" id="{42153F23-429E-4B20-A293-27FBC09DA6C5}"/>
+              </a:ext>
+            </a:extLst>
+          </p:cNvPr>
+          <p:cNvSpPr/>
+          <p:nvPr/>
+        </p:nvSpPr>
+        <p:spPr>
+          <a:xfrm>
+            <a:off x="1295400" y="1787362"/>
+            <a:ext cx="9522417" cy="3983438"/>
+          </a:xfrm>
+          <a:prstGeom prst="rect">
+            <a:avLst/>
+          </a:prstGeom>
+          <a:blipFill dpi="0" rotWithShape="1">
+            <a:blip r:embed="rId3">
+              <a:extLst>
+                <a:ext uri="{28A0092B-C50C-407E-A947-70E740481C1C}">
+                  <a14:useLocalDpi xmlns:a14="http://schemas.microsoft.com/office/drawing/2010/main" val="0"/>
+                </a:ext>
+              </a:extLst>
+            </a:blip>
+            <a:srcRect/>
+            <a:stretch>
+              <a:fillRect/>
+            </a:stretch>
+          </a:blipFill>
+          <a:ln w="3175">
+            <a:solidFill>
+              <a:schemeClr val="bg2">
+                <a:lumMod val="25000"/>
+              </a:schemeClr>
+            </a:solidFill>
+          </a:ln>
+        </p:spPr>
+        <p:style>
+          <a:lnRef idx="2">
+            <a:schemeClr val="accent1">
+              <a:shade val="50000"/>
+            </a:schemeClr>
+          </a:lnRef>
+          <a:fillRef idx="1">
+            <a:schemeClr val="accent1"/>
+          </a:fillRef>
+          <a:effectRef idx="0">
+            <a:schemeClr val="accent1"/>
+          </a:effectRef>
+          <a:fontRef idx="minor">
+            <a:schemeClr val="lt1"/>
+          </a:fontRef>
+        </p:style>
+        <p:txBody>
+          <a:bodyPr rtlCol="0" anchor="ctr"/>
+          <a:lstStyle/>
+          <a:p>
+            <a:pPr algn="ctr"/>
+            <a:endParaRPr lang="ko-KR" altLang="en-US" dirty="0"/>
+          </a:p>
+        </p:txBody>
+      </p:sp>
+      <p:sp>
+        <p:nvSpPr>
+          <p:cNvPr id="2" name="TextBox 1">
+            <a:extLst>
+              <a:ext uri="{FF2B5EF4-FFF2-40B4-BE49-F238E27FC236}">
+                <a16:creationId xmlns:a16="http://schemas.microsoft.com/office/drawing/2014/main" id="{77AA559E-25D1-DE3D-FD71-ED82E8793495}"/>
+              </a:ext>
+            </a:extLst>
+          </p:cNvPr>
+          <p:cNvSpPr txBox="1"/>
+          <p:nvPr/>
+        </p:nvSpPr>
+        <p:spPr>
+          <a:xfrm>
+            <a:off x="4472899" y="1020676"/>
+            <a:ext cx="3246201" cy="553998"/>
+          </a:xfrm>
+          <a:prstGeom prst="rect">
+            <a:avLst/>
+          </a:prstGeom>
+          <a:noFill/>
+        </p:spPr>
+        <p:txBody>
+          <a:bodyPr wrap="square" rtlCol="0">
+            <a:spAutoFit/>
+          </a:bodyPr>
+          <a:lstStyle/>
+          <a:p>
+            <a:r>
+              <a:rPr lang="ko-KR" altLang="en-US" sz="3000" b="1" dirty="0">
+                <a:ln w="31750">
+                  <a:solidFill>
+                    <a:schemeClr val="tx1">
+                      <a:lumMod val="85000"/>
+                      <a:lumOff val="15000"/>
+                    </a:schemeClr>
+                  </a:solidFill>
+                  <a:prstDash val="solid"/>
+                </a:ln>
+                <a:solidFill>
+                  <a:srgbClr val="F76FE7"/>
+                </a:solidFill>
+                <a:effectLst>
+                  <a:outerShdw dist="76200" dir="3360000" algn="bl" rotWithShape="0">
+                    <a:schemeClr val="tx2">
+                      <a:lumMod val="75000"/>
+                    </a:schemeClr>
+                  </a:outerShdw>
+                </a:effectLst>
+                <a:latin typeface="둥근모꼴" panose="020B0500000000000000" pitchFamily="50" charset="-127"/>
+                <a:ea typeface="둥근모꼴" panose="020B0500000000000000" pitchFamily="50" charset="-127"/>
+                <a:cs typeface="둥근모꼴" panose="020B0500000000000000" pitchFamily="50" charset="-127"/>
+              </a:rPr>
+              <a:t>유럽 </a:t>
+            </a:r>
+            <a:r>
+              <a:rPr lang="en-US" altLang="ko-KR" sz="3000" b="1" dirty="0">
+                <a:ln w="31750">
+                  <a:solidFill>
+                    <a:schemeClr val="tx1">
+                      <a:lumMod val="85000"/>
+                      <a:lumOff val="15000"/>
+                    </a:schemeClr>
+                  </a:solidFill>
+                  <a:prstDash val="solid"/>
+                </a:ln>
+                <a:solidFill>
+                  <a:srgbClr val="F76FE7"/>
+                </a:solidFill>
+                <a:effectLst>
+                  <a:outerShdw dist="76200" dir="3360000" algn="bl" rotWithShape="0">
+                    <a:schemeClr val="tx2">
+                      <a:lumMod val="75000"/>
+                    </a:schemeClr>
+                  </a:outerShdw>
+                </a:effectLst>
+                <a:latin typeface="둥근모꼴" panose="020B0500000000000000" pitchFamily="50" charset="-127"/>
+                <a:ea typeface="둥근모꼴" panose="020B0500000000000000" pitchFamily="50" charset="-127"/>
+                <a:cs typeface="둥근모꼴" panose="020B0500000000000000" pitchFamily="50" charset="-127"/>
+              </a:rPr>
+              <a:t>TOT 10 </a:t>
+            </a:r>
+            <a:r>
+              <a:rPr lang="ko-KR" altLang="en-US" sz="3000" b="1" dirty="0">
+                <a:ln w="31750">
+                  <a:solidFill>
+                    <a:schemeClr val="tx1">
+                      <a:lumMod val="85000"/>
+                      <a:lumOff val="15000"/>
+                    </a:schemeClr>
+                  </a:solidFill>
+                  <a:prstDash val="solid"/>
+                </a:ln>
+                <a:solidFill>
+                  <a:srgbClr val="F76FE7"/>
+                </a:solidFill>
+                <a:effectLst>
+                  <a:outerShdw dist="76200" dir="3360000" algn="bl" rotWithShape="0">
+                    <a:schemeClr val="tx2">
+                      <a:lumMod val="75000"/>
+                    </a:schemeClr>
+                  </a:outerShdw>
+                </a:effectLst>
+                <a:latin typeface="둥근모꼴" panose="020B0500000000000000" pitchFamily="50" charset="-127"/>
+                <a:ea typeface="둥근모꼴" panose="020B0500000000000000" pitchFamily="50" charset="-127"/>
+                <a:cs typeface="둥근모꼴" panose="020B0500000000000000" pitchFamily="50" charset="-127"/>
+              </a:rPr>
+              <a:t>게임</a:t>
+            </a:r>
+          </a:p>
+        </p:txBody>
+      </p:sp>
+    </p:spTree>
+    <p:extLst>
+      <p:ext uri="{BB962C8B-B14F-4D97-AF65-F5344CB8AC3E}">
+        <p14:creationId xmlns:p14="http://schemas.microsoft.com/office/powerpoint/2010/main" val="49678458"/>
+      </p:ext>
+    </p:extLst>
+  </p:cSld>
+  <p:clrMapOvr>
+    <a:masterClrMapping/>
+  </p:clrMapOvr>
+</p:sld>
+</file>
+
+<file path=ppt/slides/slide22.xml><?xml version="1.0" encoding="utf-8"?>
+<p:sld xmlns:a="http://schemas.openxmlformats.org/drawingml/2006/main" xmlns:r="http://schemas.openxmlformats.org/officeDocument/2006/relationships" xmlns:p="http://schemas.openxmlformats.org/presentationml/2006/main">
+  <p:cSld>
+    <p:bg>
+      <p:bgPr>
+        <a:blipFill dpi="0" rotWithShape="1">
+          <a:blip r:embed="rId2">
+            <a:lum/>
+          </a:blip>
+          <a:srcRect/>
+          <a:stretch>
+            <a:fillRect/>
+          </a:stretch>
+        </a:blipFill>
+        <a:effectLst/>
+      </p:bgPr>
+    </p:bg>
+    <p:spTree>
+      <p:nvGrpSpPr>
+        <p:cNvPr id="1" name=""/>
+        <p:cNvGrpSpPr/>
+        <p:nvPr/>
+      </p:nvGrpSpPr>
+      <p:grpSpPr>
+        <a:xfrm>
+          <a:off x="0" y="0"/>
+          <a:ext cx="0" cy="0"/>
+          <a:chOff x="0" y="0"/>
+          <a:chExt cx="0" cy="0"/>
+        </a:xfrm>
+      </p:grpSpPr>
+      <p:sp>
+        <p:nvSpPr>
+          <p:cNvPr id="27" name="직사각형 26">
+            <a:extLst>
+              <a:ext uri="{FF2B5EF4-FFF2-40B4-BE49-F238E27FC236}">
+                <a16:creationId xmlns:a16="http://schemas.microsoft.com/office/drawing/2014/main" id="{42153F23-429E-4B20-A293-27FBC09DA6C5}"/>
+              </a:ext>
+            </a:extLst>
+          </p:cNvPr>
+          <p:cNvSpPr/>
+          <p:nvPr/>
+        </p:nvSpPr>
+        <p:spPr>
+          <a:xfrm>
+            <a:off x="1295400" y="1787362"/>
+            <a:ext cx="9522417" cy="3983438"/>
+          </a:xfrm>
+          <a:prstGeom prst="rect">
+            <a:avLst/>
+          </a:prstGeom>
+          <a:blipFill dpi="0" rotWithShape="1">
+            <a:blip r:embed="rId3">
+              <a:extLst>
+                <a:ext uri="{28A0092B-C50C-407E-A947-70E740481C1C}">
+                  <a14:useLocalDpi xmlns:a14="http://schemas.microsoft.com/office/drawing/2010/main" val="0"/>
+                </a:ext>
+              </a:extLst>
+            </a:blip>
+            <a:srcRect/>
+            <a:stretch>
+              <a:fillRect/>
+            </a:stretch>
+          </a:blipFill>
+          <a:ln w="3175">
+            <a:solidFill>
+              <a:schemeClr val="bg2">
+                <a:lumMod val="25000"/>
+              </a:schemeClr>
+            </a:solidFill>
+          </a:ln>
+        </p:spPr>
+        <p:style>
+          <a:lnRef idx="2">
+            <a:schemeClr val="accent1">
+              <a:shade val="50000"/>
+            </a:schemeClr>
+          </a:lnRef>
+          <a:fillRef idx="1">
+            <a:schemeClr val="accent1"/>
+          </a:fillRef>
+          <a:effectRef idx="0">
+            <a:schemeClr val="accent1"/>
+          </a:effectRef>
+          <a:fontRef idx="minor">
+            <a:schemeClr val="lt1"/>
+          </a:fontRef>
+        </p:style>
+        <p:txBody>
+          <a:bodyPr rtlCol="0" anchor="ctr"/>
+          <a:lstStyle/>
+          <a:p>
+            <a:pPr algn="ctr"/>
+            <a:endParaRPr lang="ko-KR" altLang="en-US" dirty="0"/>
+          </a:p>
+        </p:txBody>
+      </p:sp>
+      <p:sp>
+        <p:nvSpPr>
+          <p:cNvPr id="2" name="TextBox 1">
+            <a:extLst>
+              <a:ext uri="{FF2B5EF4-FFF2-40B4-BE49-F238E27FC236}">
+                <a16:creationId xmlns:a16="http://schemas.microsoft.com/office/drawing/2014/main" id="{77AA559E-25D1-DE3D-FD71-ED82E8793495}"/>
+              </a:ext>
+            </a:extLst>
+          </p:cNvPr>
+          <p:cNvSpPr txBox="1"/>
+          <p:nvPr/>
+        </p:nvSpPr>
+        <p:spPr>
+          <a:xfrm>
+            <a:off x="4472899" y="1020676"/>
+            <a:ext cx="3246201" cy="553998"/>
+          </a:xfrm>
+          <a:prstGeom prst="rect">
+            <a:avLst/>
+          </a:prstGeom>
+          <a:noFill/>
+        </p:spPr>
+        <p:txBody>
+          <a:bodyPr wrap="square" rtlCol="0">
+            <a:spAutoFit/>
+          </a:bodyPr>
+          <a:lstStyle/>
+          <a:p>
+            <a:r>
+              <a:rPr lang="ko-KR" altLang="en-US" sz="3000" b="1" dirty="0">
+                <a:ln w="31750">
+                  <a:solidFill>
+                    <a:schemeClr val="tx1">
+                      <a:lumMod val="85000"/>
+                      <a:lumOff val="15000"/>
+                    </a:schemeClr>
+                  </a:solidFill>
+                  <a:prstDash val="solid"/>
+                </a:ln>
+                <a:solidFill>
+                  <a:srgbClr val="F76FE7"/>
+                </a:solidFill>
+                <a:effectLst>
+                  <a:outerShdw dist="76200" dir="3360000" algn="bl" rotWithShape="0">
+                    <a:schemeClr val="tx2">
+                      <a:lumMod val="75000"/>
+                    </a:schemeClr>
+                  </a:outerShdw>
+                </a:effectLst>
+                <a:latin typeface="둥근모꼴" panose="020B0500000000000000" pitchFamily="50" charset="-127"/>
+                <a:ea typeface="둥근모꼴" panose="020B0500000000000000" pitchFamily="50" charset="-127"/>
+                <a:cs typeface="둥근모꼴" panose="020B0500000000000000" pitchFamily="50" charset="-127"/>
+              </a:rPr>
+              <a:t>일본 </a:t>
+            </a:r>
+            <a:r>
+              <a:rPr lang="en-US" altLang="ko-KR" sz="3000" b="1" dirty="0">
+                <a:ln w="31750">
+                  <a:solidFill>
+                    <a:schemeClr val="tx1">
+                      <a:lumMod val="85000"/>
+                      <a:lumOff val="15000"/>
+                    </a:schemeClr>
+                  </a:solidFill>
+                  <a:prstDash val="solid"/>
+                </a:ln>
+                <a:solidFill>
+                  <a:srgbClr val="F76FE7"/>
+                </a:solidFill>
+                <a:effectLst>
+                  <a:outerShdw dist="76200" dir="3360000" algn="bl" rotWithShape="0">
+                    <a:schemeClr val="tx2">
+                      <a:lumMod val="75000"/>
+                    </a:schemeClr>
+                  </a:outerShdw>
+                </a:effectLst>
+                <a:latin typeface="둥근모꼴" panose="020B0500000000000000" pitchFamily="50" charset="-127"/>
+                <a:ea typeface="둥근모꼴" panose="020B0500000000000000" pitchFamily="50" charset="-127"/>
+                <a:cs typeface="둥근모꼴" panose="020B0500000000000000" pitchFamily="50" charset="-127"/>
+              </a:rPr>
+              <a:t>TOT 10 </a:t>
+            </a:r>
+            <a:r>
+              <a:rPr lang="ko-KR" altLang="en-US" sz="3000" b="1" dirty="0">
+                <a:ln w="31750">
+                  <a:solidFill>
+                    <a:schemeClr val="tx1">
+                      <a:lumMod val="85000"/>
+                      <a:lumOff val="15000"/>
+                    </a:schemeClr>
+                  </a:solidFill>
+                  <a:prstDash val="solid"/>
+                </a:ln>
+                <a:solidFill>
+                  <a:srgbClr val="F76FE7"/>
+                </a:solidFill>
+                <a:effectLst>
+                  <a:outerShdw dist="76200" dir="3360000" algn="bl" rotWithShape="0">
+                    <a:schemeClr val="tx2">
+                      <a:lumMod val="75000"/>
+                    </a:schemeClr>
+                  </a:outerShdw>
+                </a:effectLst>
+                <a:latin typeface="둥근모꼴" panose="020B0500000000000000" pitchFamily="50" charset="-127"/>
+                <a:ea typeface="둥근모꼴" panose="020B0500000000000000" pitchFamily="50" charset="-127"/>
+                <a:cs typeface="둥근모꼴" panose="020B0500000000000000" pitchFamily="50" charset="-127"/>
+              </a:rPr>
+              <a:t>게임</a:t>
+            </a:r>
+          </a:p>
+        </p:txBody>
+      </p:sp>
+    </p:spTree>
+    <p:extLst>
+      <p:ext uri="{BB962C8B-B14F-4D97-AF65-F5344CB8AC3E}">
+        <p14:creationId xmlns:p14="http://schemas.microsoft.com/office/powerpoint/2010/main" val="4003119575"/>
+      </p:ext>
+    </p:extLst>
+  </p:cSld>
+  <p:clrMapOvr>
+    <a:masterClrMapping/>
+  </p:clrMapOvr>
+</p:sld>
+</file>
+
+<file path=ppt/slides/slide23.xml><?xml version="1.0" encoding="utf-8"?>
+<p:sld xmlns:a="http://schemas.openxmlformats.org/drawingml/2006/main" xmlns:r="http://schemas.openxmlformats.org/officeDocument/2006/relationships" xmlns:p="http://schemas.openxmlformats.org/presentationml/2006/main">
+  <p:cSld>
+    <p:bg>
+      <p:bgPr>
+        <a:blipFill dpi="0" rotWithShape="1">
+          <a:blip r:embed="rId2">
+            <a:lum/>
+          </a:blip>
+          <a:srcRect/>
+          <a:stretch>
+            <a:fillRect/>
+          </a:stretch>
+        </a:blipFill>
+        <a:effectLst/>
+      </p:bgPr>
+    </p:bg>
+    <p:spTree>
+      <p:nvGrpSpPr>
+        <p:cNvPr id="1" name=""/>
+        <p:cNvGrpSpPr/>
+        <p:nvPr/>
+      </p:nvGrpSpPr>
+      <p:grpSpPr>
+        <a:xfrm>
+          <a:off x="0" y="0"/>
+          <a:ext cx="0" cy="0"/>
+          <a:chOff x="0" y="0"/>
+          <a:chExt cx="0" cy="0"/>
+        </a:xfrm>
+      </p:grpSpPr>
+      <p:sp>
+        <p:nvSpPr>
+          <p:cNvPr id="27" name="직사각형 26">
+            <a:extLst>
+              <a:ext uri="{FF2B5EF4-FFF2-40B4-BE49-F238E27FC236}">
+                <a16:creationId xmlns:a16="http://schemas.microsoft.com/office/drawing/2014/main" id="{42153F23-429E-4B20-A293-27FBC09DA6C5}"/>
+              </a:ext>
+            </a:extLst>
+          </p:cNvPr>
+          <p:cNvSpPr/>
+          <p:nvPr/>
+        </p:nvSpPr>
+        <p:spPr>
+          <a:xfrm>
+            <a:off x="1295400" y="1787362"/>
+            <a:ext cx="9522417" cy="3983438"/>
+          </a:xfrm>
+          <a:prstGeom prst="rect">
+            <a:avLst/>
+          </a:prstGeom>
+          <a:blipFill dpi="0" rotWithShape="1">
+            <a:blip r:embed="rId3">
+              <a:extLst>
+                <a:ext uri="{28A0092B-C50C-407E-A947-70E740481C1C}">
+                  <a14:useLocalDpi xmlns:a14="http://schemas.microsoft.com/office/drawing/2010/main" val="0"/>
+                </a:ext>
+              </a:extLst>
+            </a:blip>
+            <a:srcRect/>
+            <a:stretch>
+              <a:fillRect/>
+            </a:stretch>
+          </a:blipFill>
+          <a:ln w="3175">
+            <a:solidFill>
+              <a:schemeClr val="bg2">
+                <a:lumMod val="25000"/>
+              </a:schemeClr>
+            </a:solidFill>
+          </a:ln>
+        </p:spPr>
+        <p:style>
+          <a:lnRef idx="2">
+            <a:schemeClr val="accent1">
+              <a:shade val="50000"/>
+            </a:schemeClr>
+          </a:lnRef>
+          <a:fillRef idx="1">
+            <a:schemeClr val="accent1"/>
+          </a:fillRef>
+          <a:effectRef idx="0">
+            <a:schemeClr val="accent1"/>
+          </a:effectRef>
+          <a:fontRef idx="minor">
+            <a:schemeClr val="lt1"/>
+          </a:fontRef>
+        </p:style>
+        <p:txBody>
+          <a:bodyPr rtlCol="0" anchor="ctr"/>
+          <a:lstStyle/>
+          <a:p>
+            <a:pPr algn="ctr"/>
+            <a:endParaRPr lang="ko-KR" altLang="en-US" dirty="0"/>
+          </a:p>
+        </p:txBody>
+      </p:sp>
+      <p:sp>
+        <p:nvSpPr>
+          <p:cNvPr id="2" name="TextBox 1">
+            <a:extLst>
+              <a:ext uri="{FF2B5EF4-FFF2-40B4-BE49-F238E27FC236}">
+                <a16:creationId xmlns:a16="http://schemas.microsoft.com/office/drawing/2014/main" id="{77AA559E-25D1-DE3D-FD71-ED82E8793495}"/>
+              </a:ext>
+            </a:extLst>
+          </p:cNvPr>
+          <p:cNvSpPr txBox="1"/>
+          <p:nvPr/>
+        </p:nvSpPr>
+        <p:spPr>
+          <a:xfrm>
+            <a:off x="4472899" y="1020676"/>
+            <a:ext cx="3246201" cy="553998"/>
+          </a:xfrm>
+          <a:prstGeom prst="rect">
+            <a:avLst/>
+          </a:prstGeom>
+          <a:noFill/>
+        </p:spPr>
+        <p:txBody>
+          <a:bodyPr wrap="square" rtlCol="0">
+            <a:spAutoFit/>
+          </a:bodyPr>
+          <a:lstStyle/>
+          <a:p>
+            <a:r>
+              <a:rPr lang="ko-KR" altLang="en-US" sz="3000" b="1" dirty="0">
+                <a:ln w="31750">
+                  <a:solidFill>
+                    <a:schemeClr val="tx1">
+                      <a:lumMod val="85000"/>
+                      <a:lumOff val="15000"/>
+                    </a:schemeClr>
+                  </a:solidFill>
+                  <a:prstDash val="solid"/>
+                </a:ln>
+                <a:solidFill>
+                  <a:srgbClr val="F76FE7"/>
+                </a:solidFill>
+                <a:effectLst>
+                  <a:outerShdw dist="76200" dir="3360000" algn="bl" rotWithShape="0">
+                    <a:schemeClr val="tx2">
+                      <a:lumMod val="75000"/>
+                    </a:schemeClr>
+                  </a:outerShdw>
+                </a:effectLst>
+                <a:latin typeface="둥근모꼴" panose="020B0500000000000000" pitchFamily="50" charset="-127"/>
+                <a:ea typeface="둥근모꼴" panose="020B0500000000000000" pitchFamily="50" charset="-127"/>
+                <a:cs typeface="둥근모꼴" panose="020B0500000000000000" pitchFamily="50" charset="-127"/>
+              </a:rPr>
+              <a:t>일본 </a:t>
+            </a:r>
+            <a:r>
+              <a:rPr lang="en-US" altLang="ko-KR" sz="3000" b="1" dirty="0">
+                <a:ln w="31750">
+                  <a:solidFill>
+                    <a:schemeClr val="tx1">
+                      <a:lumMod val="85000"/>
+                      <a:lumOff val="15000"/>
+                    </a:schemeClr>
+                  </a:solidFill>
+                  <a:prstDash val="solid"/>
+                </a:ln>
+                <a:solidFill>
+                  <a:srgbClr val="F76FE7"/>
+                </a:solidFill>
+                <a:effectLst>
+                  <a:outerShdw dist="76200" dir="3360000" algn="bl" rotWithShape="0">
+                    <a:schemeClr val="tx2">
+                      <a:lumMod val="75000"/>
+                    </a:schemeClr>
+                  </a:outerShdw>
+                </a:effectLst>
+                <a:latin typeface="둥근모꼴" panose="020B0500000000000000" pitchFamily="50" charset="-127"/>
+                <a:ea typeface="둥근모꼴" panose="020B0500000000000000" pitchFamily="50" charset="-127"/>
+                <a:cs typeface="둥근모꼴" panose="020B0500000000000000" pitchFamily="50" charset="-127"/>
+              </a:rPr>
+              <a:t>TOT 10 </a:t>
+            </a:r>
+            <a:r>
+              <a:rPr lang="ko-KR" altLang="en-US" sz="3000" b="1" dirty="0">
+                <a:ln w="31750">
+                  <a:solidFill>
+                    <a:schemeClr val="tx1">
+                      <a:lumMod val="85000"/>
+                      <a:lumOff val="15000"/>
+                    </a:schemeClr>
+                  </a:solidFill>
+                  <a:prstDash val="solid"/>
+                </a:ln>
+                <a:solidFill>
+                  <a:srgbClr val="F76FE7"/>
+                </a:solidFill>
+                <a:effectLst>
+                  <a:outerShdw dist="76200" dir="3360000" algn="bl" rotWithShape="0">
+                    <a:schemeClr val="tx2">
+                      <a:lumMod val="75000"/>
+                    </a:schemeClr>
+                  </a:outerShdw>
+                </a:effectLst>
+                <a:latin typeface="둥근모꼴" panose="020B0500000000000000" pitchFamily="50" charset="-127"/>
+                <a:ea typeface="둥근모꼴" panose="020B0500000000000000" pitchFamily="50" charset="-127"/>
+                <a:cs typeface="둥근모꼴" panose="020B0500000000000000" pitchFamily="50" charset="-127"/>
+              </a:rPr>
+              <a:t>게임</a:t>
+            </a:r>
+          </a:p>
+        </p:txBody>
+      </p:sp>
+    </p:spTree>
+    <p:extLst>
+      <p:ext uri="{BB962C8B-B14F-4D97-AF65-F5344CB8AC3E}">
+        <p14:creationId xmlns:p14="http://schemas.microsoft.com/office/powerpoint/2010/main" val="3353987015"/>
+      </p:ext>
+    </p:extLst>
+  </p:cSld>
+  <p:clrMapOvr>
+    <a:masterClrMapping/>
+  </p:clrMapOvr>
+</p:sld>
+</file>
+
+<file path=ppt/slides/slide24.xml><?xml version="1.0" encoding="utf-8"?>
+<p:sld xmlns:a="http://schemas.openxmlformats.org/drawingml/2006/main" xmlns:r="http://schemas.openxmlformats.org/officeDocument/2006/relationships" xmlns:p="http://schemas.openxmlformats.org/presentationml/2006/main">
+  <p:cSld>
     <p:spTree>
       <p:nvGrpSpPr>
         <p:cNvPr id="1" name=""/>
@@ -10233,7 +11125,7 @@
 </p:sld>
 </file>
 
-<file path=ppt/slides/slide21.xml><?xml version="1.0" encoding="utf-8"?>
+<file path=ppt/slides/slide25.xml><?xml version="1.0" encoding="utf-8"?>
 <p:sld xmlns:a="http://schemas.openxmlformats.org/drawingml/2006/main" xmlns:r="http://schemas.openxmlformats.org/officeDocument/2006/relationships" xmlns:p="http://schemas.openxmlformats.org/presentationml/2006/main">
   <p:cSld>
     <p:spTree>
@@ -10720,7 +11612,7 @@
 </p:sld>
 </file>
 
-<file path=ppt/slides/slide22.xml><?xml version="1.0" encoding="utf-8"?>
+<file path=ppt/slides/slide26.xml><?xml version="1.0" encoding="utf-8"?>
 <p:sld xmlns:a="http://schemas.openxmlformats.org/drawingml/2006/main" xmlns:r="http://schemas.openxmlformats.org/officeDocument/2006/relationships" xmlns:p="http://schemas.openxmlformats.org/presentationml/2006/main">
   <p:cSld>
     <p:spTree>
@@ -11243,7 +12135,7 @@
 </p:sld>
 </file>
 
-<file path=ppt/slides/slide23.xml><?xml version="1.0" encoding="utf-8"?>
+<file path=ppt/slides/slide27.xml><?xml version="1.0" encoding="utf-8"?>
 <p:sld xmlns:a="http://schemas.openxmlformats.org/drawingml/2006/main" xmlns:r="http://schemas.openxmlformats.org/officeDocument/2006/relationships" xmlns:p="http://schemas.openxmlformats.org/presentationml/2006/main">
   <p:cSld>
     <p:spTree>
@@ -11730,7 +12622,7 @@
 </p:sld>
 </file>
 
-<file path=ppt/slides/slide24.xml><?xml version="1.0" encoding="utf-8"?>
+<file path=ppt/slides/slide28.xml><?xml version="1.0" encoding="utf-8"?>
 <p:sld xmlns:a="http://schemas.openxmlformats.org/drawingml/2006/main" xmlns:r="http://schemas.openxmlformats.org/officeDocument/2006/relationships" xmlns:p="http://schemas.openxmlformats.org/presentationml/2006/main">
   <p:cSld>
     <p:spTree>
@@ -12289,7 +13181,7 @@
 </p:sld>
 </file>
 
-<file path=ppt/slides/slide25.xml><?xml version="1.0" encoding="utf-8"?>
+<file path=ppt/slides/slide29.xml><?xml version="1.0" encoding="utf-8"?>
 <p:sld xmlns:a="http://schemas.openxmlformats.org/drawingml/2006/main" xmlns:r="http://schemas.openxmlformats.org/officeDocument/2006/relationships" xmlns:p="http://schemas.openxmlformats.org/presentationml/2006/main">
   <p:cSld>
     <p:spTree>
@@ -12842,7 +13734,1007 @@
 </p:sld>
 </file>
 
-<file path=ppt/slides/slide26.xml><?xml version="1.0" encoding="utf-8"?>
+<file path=ppt/slides/slide3.xml><?xml version="1.0" encoding="utf-8"?>
+<p:sld xmlns:a="http://schemas.openxmlformats.org/drawingml/2006/main" xmlns:r="http://schemas.openxmlformats.org/officeDocument/2006/relationships" xmlns:p="http://schemas.openxmlformats.org/presentationml/2006/main">
+  <p:cSld>
+    <p:spTree>
+      <p:nvGrpSpPr>
+        <p:cNvPr id="1" name=""/>
+        <p:cNvGrpSpPr/>
+        <p:nvPr/>
+      </p:nvGrpSpPr>
+      <p:grpSpPr>
+        <a:xfrm>
+          <a:off x="0" y="0"/>
+          <a:ext cx="0" cy="0"/>
+          <a:chOff x="0" y="0"/>
+          <a:chExt cx="0" cy="0"/>
+        </a:xfrm>
+      </p:grpSpPr>
+      <p:sp>
+        <p:nvSpPr>
+          <p:cNvPr id="9" name="직사각형 8">
+            <a:extLst>
+              <a:ext uri="{FF2B5EF4-FFF2-40B4-BE49-F238E27FC236}">
+                <a16:creationId xmlns:a16="http://schemas.microsoft.com/office/drawing/2014/main" id="{5C1BC04F-38D2-40B5-9DA3-B83E5D0724A8}"/>
+              </a:ext>
+            </a:extLst>
+          </p:cNvPr>
+          <p:cNvSpPr/>
+          <p:nvPr/>
+        </p:nvSpPr>
+        <p:spPr>
+          <a:xfrm>
+            <a:off x="792062" y="2257219"/>
+            <a:ext cx="10587138" cy="2800767"/>
+          </a:xfrm>
+          <a:prstGeom prst="rect">
+            <a:avLst/>
+          </a:prstGeom>
+          <a:noFill/>
+          <a:extLst>
+            <a:ext uri="{909E8E84-426E-40DD-AFC4-6F175D3DCCD1}">
+              <a14:hiddenFill xmlns:a14="http://schemas.microsoft.com/office/drawing/2010/main">
+                <a:solidFill>
+                  <a:srgbClr val="FFFFFF"/>
+                </a:solidFill>
+              </a14:hiddenFill>
+            </a:ext>
+          </a:extLst>
+        </p:spPr>
+        <p:txBody>
+          <a:bodyPr wrap="square" rtlCol="0">
+            <a:spAutoFit/>
+          </a:bodyPr>
+          <a:lstStyle/>
+          <a:p>
+            <a:pPr marL="285750" lvl="1" indent="-285750">
+              <a:buFontTx/>
+              <a:buChar char="-"/>
+            </a:pPr>
+            <a:r>
+              <a:rPr lang="ko-KR" altLang="en-US" sz="1600" dirty="0">
+                <a:ln>
+                  <a:solidFill>
+                    <a:schemeClr val="accent1">
+                      <a:shade val="50000"/>
+                      <a:alpha val="0"/>
+                    </a:schemeClr>
+                  </a:solidFill>
+                </a:ln>
+                <a:solidFill>
+                  <a:srgbClr val="150301"/>
+                </a:solidFill>
+                <a:latin typeface="나눔스퀘어 Light" panose="020B0600000101010101" pitchFamily="50" charset="-127"/>
+                <a:ea typeface="나눔스퀘어 Light" panose="020B0600000101010101" pitchFamily="50" charset="-127"/>
+              </a:rPr>
+              <a:t>데이터셋은 </a:t>
+            </a:r>
+            <a:r>
+              <a:rPr lang="en-US" altLang="ko-KR" sz="1600" dirty="0">
+                <a:ln>
+                  <a:solidFill>
+                    <a:schemeClr val="accent1">
+                      <a:shade val="50000"/>
+                      <a:alpha val="0"/>
+                    </a:schemeClr>
+                  </a:solidFill>
+                </a:ln>
+                <a:solidFill>
+                  <a:srgbClr val="150301"/>
+                </a:solidFill>
+                <a:latin typeface="나눔스퀘어 Light" panose="020B0600000101010101" pitchFamily="50" charset="-127"/>
+                <a:ea typeface="나눔스퀘어 Light" panose="020B0600000101010101" pitchFamily="50" charset="-127"/>
+              </a:rPr>
+              <a:t>1980</a:t>
+            </a:r>
+            <a:r>
+              <a:rPr lang="ko-KR" altLang="en-US" sz="1600" dirty="0">
+                <a:ln>
+                  <a:solidFill>
+                    <a:schemeClr val="accent1">
+                      <a:shade val="50000"/>
+                      <a:alpha val="0"/>
+                    </a:schemeClr>
+                  </a:solidFill>
+                </a:ln>
+                <a:solidFill>
+                  <a:srgbClr val="150301"/>
+                </a:solidFill>
+                <a:latin typeface="나눔스퀘어 Light" panose="020B0600000101010101" pitchFamily="50" charset="-127"/>
+                <a:ea typeface="나눔스퀘어 Light" panose="020B0600000101010101" pitchFamily="50" charset="-127"/>
+              </a:rPr>
+              <a:t>년대부터 </a:t>
+            </a:r>
+            <a:r>
+              <a:rPr lang="en-US" altLang="ko-KR" sz="1600" dirty="0">
+                <a:ln>
+                  <a:solidFill>
+                    <a:schemeClr val="accent1">
+                      <a:shade val="50000"/>
+                      <a:alpha val="0"/>
+                    </a:schemeClr>
+                  </a:solidFill>
+                </a:ln>
+                <a:solidFill>
+                  <a:srgbClr val="150301"/>
+                </a:solidFill>
+                <a:latin typeface="나눔스퀘어 Light" panose="020B0600000101010101" pitchFamily="50" charset="-127"/>
+                <a:ea typeface="나눔스퀘어 Light" panose="020B0600000101010101" pitchFamily="50" charset="-127"/>
+              </a:rPr>
+              <a:t>2020</a:t>
+            </a:r>
+            <a:r>
+              <a:rPr lang="ko-KR" altLang="en-US" sz="1600" dirty="0">
+                <a:ln>
+                  <a:solidFill>
+                    <a:schemeClr val="accent1">
+                      <a:shade val="50000"/>
+                      <a:alpha val="0"/>
+                    </a:schemeClr>
+                  </a:solidFill>
+                </a:ln>
+                <a:solidFill>
+                  <a:srgbClr val="150301"/>
+                </a:solidFill>
+                <a:latin typeface="나눔스퀘어 Light" panose="020B0600000101010101" pitchFamily="50" charset="-127"/>
+                <a:ea typeface="나눔스퀘어 Light" panose="020B0600000101010101" pitchFamily="50" charset="-127"/>
+              </a:rPr>
+              <a:t>년까지 게임과 플랫폼</a:t>
+            </a:r>
+            <a:r>
+              <a:rPr lang="en-US" altLang="ko-KR" sz="1600" dirty="0">
+                <a:ln>
+                  <a:solidFill>
+                    <a:schemeClr val="accent1">
+                      <a:shade val="50000"/>
+                      <a:alpha val="0"/>
+                    </a:schemeClr>
+                  </a:solidFill>
+                </a:ln>
+                <a:solidFill>
+                  <a:srgbClr val="150301"/>
+                </a:solidFill>
+                <a:latin typeface="나눔스퀘어 Light" panose="020B0600000101010101" pitchFamily="50" charset="-127"/>
+                <a:ea typeface="나눔스퀘어 Light" panose="020B0600000101010101" pitchFamily="50" charset="-127"/>
+              </a:rPr>
+              <a:t>, </a:t>
+            </a:r>
+            <a:r>
+              <a:rPr lang="ko-KR" altLang="en-US" sz="1600" dirty="0">
+                <a:ln>
+                  <a:solidFill>
+                    <a:schemeClr val="accent1">
+                      <a:shade val="50000"/>
+                      <a:alpha val="0"/>
+                    </a:schemeClr>
+                  </a:solidFill>
+                </a:ln>
+                <a:solidFill>
+                  <a:srgbClr val="150301"/>
+                </a:solidFill>
+                <a:latin typeface="나눔스퀘어 Light" panose="020B0600000101010101" pitchFamily="50" charset="-127"/>
+                <a:ea typeface="나눔스퀘어 Light" panose="020B0600000101010101" pitchFamily="50" charset="-127"/>
+              </a:rPr>
+              <a:t>장르</a:t>
+            </a:r>
+            <a:r>
+              <a:rPr lang="en-US" altLang="ko-KR" sz="1600" dirty="0">
+                <a:ln>
+                  <a:solidFill>
+                    <a:schemeClr val="accent1">
+                      <a:shade val="50000"/>
+                      <a:alpha val="0"/>
+                    </a:schemeClr>
+                  </a:solidFill>
+                </a:ln>
+                <a:solidFill>
+                  <a:srgbClr val="150301"/>
+                </a:solidFill>
+                <a:latin typeface="나눔스퀘어 Light" panose="020B0600000101010101" pitchFamily="50" charset="-127"/>
+                <a:ea typeface="나눔스퀘어 Light" panose="020B0600000101010101" pitchFamily="50" charset="-127"/>
+              </a:rPr>
+              <a:t>, </a:t>
+            </a:r>
+            <a:r>
+              <a:rPr lang="ko-KR" altLang="en-US" sz="1600" dirty="0">
+                <a:ln>
+                  <a:solidFill>
+                    <a:schemeClr val="accent1">
+                      <a:shade val="50000"/>
+                      <a:alpha val="0"/>
+                    </a:schemeClr>
+                  </a:solidFill>
+                </a:ln>
+                <a:solidFill>
+                  <a:srgbClr val="150301"/>
+                </a:solidFill>
+                <a:latin typeface="나눔스퀘어 Light" panose="020B0600000101010101" pitchFamily="50" charset="-127"/>
+                <a:ea typeface="나눔스퀘어 Light" panose="020B0600000101010101" pitchFamily="50" charset="-127"/>
+              </a:rPr>
+              <a:t>북미</a:t>
+            </a:r>
+            <a:r>
+              <a:rPr lang="en-US" altLang="ko-KR" sz="1600" dirty="0">
+                <a:ln>
+                  <a:solidFill>
+                    <a:schemeClr val="accent1">
+                      <a:shade val="50000"/>
+                      <a:alpha val="0"/>
+                    </a:schemeClr>
+                  </a:solidFill>
+                </a:ln>
+                <a:solidFill>
+                  <a:srgbClr val="150301"/>
+                </a:solidFill>
+                <a:latin typeface="나눔스퀘어 Light" panose="020B0600000101010101" pitchFamily="50" charset="-127"/>
+                <a:ea typeface="나눔스퀘어 Light" panose="020B0600000101010101" pitchFamily="50" charset="-127"/>
+              </a:rPr>
+              <a:t>/</a:t>
+            </a:r>
+            <a:r>
+              <a:rPr lang="ko-KR" altLang="en-US" sz="1600" dirty="0">
+                <a:ln>
+                  <a:solidFill>
+                    <a:schemeClr val="accent1">
+                      <a:shade val="50000"/>
+                      <a:alpha val="0"/>
+                    </a:schemeClr>
+                  </a:solidFill>
+                </a:ln>
+                <a:solidFill>
+                  <a:srgbClr val="150301"/>
+                </a:solidFill>
+                <a:latin typeface="나눔스퀘어 Light" panose="020B0600000101010101" pitchFamily="50" charset="-127"/>
+                <a:ea typeface="나눔스퀘어 Light" panose="020B0600000101010101" pitchFamily="50" charset="-127"/>
+              </a:rPr>
+              <a:t>유럽</a:t>
+            </a:r>
+            <a:r>
+              <a:rPr lang="en-US" altLang="ko-KR" sz="1600" dirty="0">
+                <a:ln>
+                  <a:solidFill>
+                    <a:schemeClr val="accent1">
+                      <a:shade val="50000"/>
+                      <a:alpha val="0"/>
+                    </a:schemeClr>
+                  </a:solidFill>
+                </a:ln>
+                <a:solidFill>
+                  <a:srgbClr val="150301"/>
+                </a:solidFill>
+                <a:latin typeface="나눔스퀘어 Light" panose="020B0600000101010101" pitchFamily="50" charset="-127"/>
+                <a:ea typeface="나눔스퀘어 Light" panose="020B0600000101010101" pitchFamily="50" charset="-127"/>
+              </a:rPr>
+              <a:t>/</a:t>
+            </a:r>
+            <a:r>
+              <a:rPr lang="ko-KR" altLang="en-US" sz="1600" dirty="0">
+                <a:ln>
+                  <a:solidFill>
+                    <a:schemeClr val="accent1">
+                      <a:shade val="50000"/>
+                      <a:alpha val="0"/>
+                    </a:schemeClr>
+                  </a:solidFill>
+                </a:ln>
+                <a:solidFill>
+                  <a:srgbClr val="150301"/>
+                </a:solidFill>
+                <a:latin typeface="나눔스퀘어 Light" panose="020B0600000101010101" pitchFamily="50" charset="-127"/>
+                <a:ea typeface="나눔스퀘어 Light" panose="020B0600000101010101" pitchFamily="50" charset="-127"/>
+              </a:rPr>
+              <a:t>일본</a:t>
+            </a:r>
+            <a:r>
+              <a:rPr lang="en-US" altLang="ko-KR" sz="1600" dirty="0">
+                <a:ln>
+                  <a:solidFill>
+                    <a:schemeClr val="accent1">
+                      <a:shade val="50000"/>
+                      <a:alpha val="0"/>
+                    </a:schemeClr>
+                  </a:solidFill>
+                </a:ln>
+                <a:solidFill>
+                  <a:srgbClr val="150301"/>
+                </a:solidFill>
+                <a:latin typeface="나눔스퀘어 Light" panose="020B0600000101010101" pitchFamily="50" charset="-127"/>
+                <a:ea typeface="나눔스퀘어 Light" panose="020B0600000101010101" pitchFamily="50" charset="-127"/>
+              </a:rPr>
+              <a:t>/</a:t>
+            </a:r>
+            <a:r>
+              <a:rPr lang="ko-KR" altLang="en-US" sz="1600" dirty="0">
+                <a:ln>
+                  <a:solidFill>
+                    <a:schemeClr val="accent1">
+                      <a:shade val="50000"/>
+                      <a:alpha val="0"/>
+                    </a:schemeClr>
+                  </a:solidFill>
+                </a:ln>
+                <a:solidFill>
+                  <a:srgbClr val="150301"/>
+                </a:solidFill>
+                <a:latin typeface="나눔스퀘어 Light" panose="020B0600000101010101" pitchFamily="50" charset="-127"/>
+                <a:ea typeface="나눔스퀘어 Light" panose="020B0600000101010101" pitchFamily="50" charset="-127"/>
+              </a:rPr>
+              <a:t>기타지역의 출고량으로 이루어져 있음</a:t>
+            </a:r>
+            <a:endParaRPr lang="en-US" altLang="ko-KR" sz="1600" dirty="0">
+              <a:ln>
+                <a:solidFill>
+                  <a:schemeClr val="accent1">
+                    <a:shade val="50000"/>
+                    <a:alpha val="0"/>
+                  </a:schemeClr>
+                </a:solidFill>
+              </a:ln>
+              <a:solidFill>
+                <a:srgbClr val="150301"/>
+              </a:solidFill>
+              <a:latin typeface="나눔스퀘어 Light" panose="020B0600000101010101" pitchFamily="50" charset="-127"/>
+              <a:ea typeface="나눔스퀘어 Light" panose="020B0600000101010101" pitchFamily="50" charset="-127"/>
+            </a:endParaRPr>
+          </a:p>
+          <a:p>
+            <a:pPr marL="285750" lvl="1" indent="-285750">
+              <a:buFontTx/>
+              <a:buChar char="-"/>
+            </a:pPr>
+            <a:endParaRPr lang="en-US" altLang="ko-KR" sz="1600" dirty="0">
+              <a:ln>
+                <a:solidFill>
+                  <a:schemeClr val="accent1">
+                    <a:shade val="50000"/>
+                    <a:alpha val="0"/>
+                  </a:schemeClr>
+                </a:solidFill>
+              </a:ln>
+              <a:solidFill>
+                <a:srgbClr val="150301"/>
+              </a:solidFill>
+              <a:latin typeface="나눔스퀘어 Light" panose="020B0600000101010101" pitchFamily="50" charset="-127"/>
+              <a:ea typeface="나눔스퀘어 Light" panose="020B0600000101010101" pitchFamily="50" charset="-127"/>
+            </a:endParaRPr>
+          </a:p>
+          <a:p>
+            <a:pPr marL="285750" lvl="1" indent="-285750">
+              <a:buFontTx/>
+              <a:buChar char="-"/>
+            </a:pPr>
+            <a:r>
+              <a:rPr lang="ko-KR" altLang="en-US" sz="1600" dirty="0">
+                <a:ln>
+                  <a:solidFill>
+                    <a:schemeClr val="accent1">
+                      <a:shade val="50000"/>
+                      <a:alpha val="0"/>
+                    </a:schemeClr>
+                  </a:solidFill>
+                </a:ln>
+                <a:solidFill>
+                  <a:srgbClr val="150301"/>
+                </a:solidFill>
+                <a:latin typeface="나눔스퀘어 Light" panose="020B0600000101010101" pitchFamily="50" charset="-127"/>
+                <a:ea typeface="나눔스퀘어 Light" panose="020B0600000101010101" pitchFamily="50" charset="-127"/>
+              </a:rPr>
+              <a:t>장르 선호도</a:t>
+            </a:r>
+            <a:r>
+              <a:rPr lang="en-US" altLang="ko-KR" sz="1600" dirty="0">
+                <a:ln>
+                  <a:solidFill>
+                    <a:schemeClr val="accent1">
+                      <a:shade val="50000"/>
+                      <a:alpha val="0"/>
+                    </a:schemeClr>
+                  </a:solidFill>
+                </a:ln>
+                <a:solidFill>
+                  <a:srgbClr val="150301"/>
+                </a:solidFill>
+                <a:latin typeface="나눔스퀘어 Light" panose="020B0600000101010101" pitchFamily="50" charset="-127"/>
+                <a:ea typeface="나눔스퀘어 Light" panose="020B0600000101010101" pitchFamily="50" charset="-127"/>
+              </a:rPr>
+              <a:t>, </a:t>
+            </a:r>
+            <a:r>
+              <a:rPr lang="ko-KR" altLang="en-US" sz="1600" dirty="0">
+                <a:ln>
+                  <a:solidFill>
+                    <a:schemeClr val="accent1">
+                      <a:shade val="50000"/>
+                      <a:alpha val="0"/>
+                    </a:schemeClr>
+                  </a:solidFill>
+                </a:ln>
+                <a:solidFill>
+                  <a:srgbClr val="150301"/>
+                </a:solidFill>
+                <a:latin typeface="나눔스퀘어 Light" panose="020B0600000101010101" pitchFamily="50" charset="-127"/>
+                <a:ea typeface="나눔스퀘어 Light" panose="020B0600000101010101" pitchFamily="50" charset="-127"/>
+              </a:rPr>
+              <a:t>트렌드</a:t>
+            </a:r>
+            <a:r>
+              <a:rPr lang="en-US" altLang="ko-KR" sz="1600" dirty="0">
+                <a:ln>
+                  <a:solidFill>
+                    <a:schemeClr val="accent1">
+                      <a:shade val="50000"/>
+                      <a:alpha val="0"/>
+                    </a:schemeClr>
+                  </a:solidFill>
+                </a:ln>
+                <a:solidFill>
+                  <a:srgbClr val="150301"/>
+                </a:solidFill>
+                <a:latin typeface="나눔스퀘어 Light" panose="020B0600000101010101" pitchFamily="50" charset="-127"/>
+                <a:ea typeface="나눔스퀘어 Light" panose="020B0600000101010101" pitchFamily="50" charset="-127"/>
+              </a:rPr>
+              <a:t>, </a:t>
+            </a:r>
+            <a:r>
+              <a:rPr lang="ko-KR" altLang="en-US" sz="1600" dirty="0">
+                <a:ln>
+                  <a:solidFill>
+                    <a:schemeClr val="accent1">
+                      <a:shade val="50000"/>
+                      <a:alpha val="0"/>
+                    </a:schemeClr>
+                  </a:solidFill>
+                </a:ln>
+                <a:solidFill>
+                  <a:srgbClr val="150301"/>
+                </a:solidFill>
+                <a:latin typeface="나눔스퀘어 Light" panose="020B0600000101010101" pitchFamily="50" charset="-127"/>
+                <a:ea typeface="나눔스퀘어 Light" panose="020B0600000101010101" pitchFamily="50" charset="-127"/>
+              </a:rPr>
+              <a:t>플랫폼에 대한 분석은 각 게임 별 총 출고량을 기준으로 함</a:t>
+            </a:r>
+            <a:endParaRPr lang="en-US" altLang="ko-KR" sz="1600" dirty="0">
+              <a:ln>
+                <a:solidFill>
+                  <a:schemeClr val="accent1">
+                    <a:shade val="50000"/>
+                    <a:alpha val="0"/>
+                  </a:schemeClr>
+                </a:solidFill>
+              </a:ln>
+              <a:solidFill>
+                <a:srgbClr val="150301"/>
+              </a:solidFill>
+              <a:latin typeface="나눔스퀘어 Light" panose="020B0600000101010101" pitchFamily="50" charset="-127"/>
+              <a:ea typeface="나눔스퀘어 Light" panose="020B0600000101010101" pitchFamily="50" charset="-127"/>
+            </a:endParaRPr>
+          </a:p>
+          <a:p>
+            <a:pPr marL="285750" lvl="1" indent="-285750">
+              <a:buFontTx/>
+              <a:buChar char="-"/>
+            </a:pPr>
+            <a:endParaRPr lang="en-US" altLang="ko-KR" sz="1600" dirty="0">
+              <a:ln>
+                <a:solidFill>
+                  <a:schemeClr val="accent1">
+                    <a:shade val="50000"/>
+                    <a:alpha val="0"/>
+                  </a:schemeClr>
+                </a:solidFill>
+              </a:ln>
+              <a:solidFill>
+                <a:srgbClr val="150301"/>
+              </a:solidFill>
+              <a:latin typeface="나눔스퀘어 Light" panose="020B0600000101010101" pitchFamily="50" charset="-127"/>
+              <a:ea typeface="나눔스퀘어 Light" panose="020B0600000101010101" pitchFamily="50" charset="-127"/>
+            </a:endParaRPr>
+          </a:p>
+          <a:p>
+            <a:pPr marL="285750" lvl="1" indent="-285750">
+              <a:buFontTx/>
+              <a:buChar char="-"/>
+            </a:pPr>
+            <a:r>
+              <a:rPr lang="ko-KR" altLang="en-US" sz="1600" dirty="0">
+                <a:ln>
+                  <a:solidFill>
+                    <a:schemeClr val="accent1">
+                      <a:shade val="50000"/>
+                      <a:alpha val="0"/>
+                    </a:schemeClr>
+                  </a:solidFill>
+                </a:ln>
+                <a:solidFill>
+                  <a:srgbClr val="150301"/>
+                </a:solidFill>
+                <a:latin typeface="나눔스퀘어 Light" panose="020B0600000101010101" pitchFamily="50" charset="-127"/>
+                <a:ea typeface="나눔스퀘어 Light" panose="020B0600000101010101" pitchFamily="50" charset="-127"/>
+              </a:rPr>
+              <a:t>분석하기 앞서 불필요한 컬럼을 제거하고 데이터들의 누락된 값과 전반적인 이상치를 각각 제거 밑 수정하는 과정을 거침</a:t>
+            </a:r>
+            <a:endParaRPr lang="en-US" altLang="ko-KR" sz="1600" dirty="0">
+              <a:ln>
+                <a:solidFill>
+                  <a:schemeClr val="accent1">
+                    <a:shade val="50000"/>
+                    <a:alpha val="0"/>
+                  </a:schemeClr>
+                </a:solidFill>
+              </a:ln>
+              <a:solidFill>
+                <a:srgbClr val="150301"/>
+              </a:solidFill>
+              <a:latin typeface="나눔스퀘어 Light" panose="020B0600000101010101" pitchFamily="50" charset="-127"/>
+              <a:ea typeface="나눔스퀘어 Light" panose="020B0600000101010101" pitchFamily="50" charset="-127"/>
+            </a:endParaRPr>
+          </a:p>
+          <a:p>
+            <a:pPr marL="0" lvl="1"/>
+            <a:endParaRPr lang="en-US" altLang="ko-KR" sz="1600" dirty="0">
+              <a:ln>
+                <a:solidFill>
+                  <a:schemeClr val="accent1">
+                    <a:shade val="50000"/>
+                    <a:alpha val="0"/>
+                  </a:schemeClr>
+                </a:solidFill>
+              </a:ln>
+              <a:solidFill>
+                <a:srgbClr val="150301"/>
+              </a:solidFill>
+              <a:latin typeface="나눔스퀘어 Light" panose="020B0600000101010101" pitchFamily="50" charset="-127"/>
+              <a:ea typeface="나눔스퀘어 Light" panose="020B0600000101010101" pitchFamily="50" charset="-127"/>
+            </a:endParaRPr>
+          </a:p>
+          <a:p>
+            <a:pPr marL="285750" lvl="1" indent="-285750">
+              <a:buFontTx/>
+              <a:buChar char="-"/>
+            </a:pPr>
+            <a:r>
+              <a:rPr lang="ko-KR" altLang="en-US" sz="1600" dirty="0">
+                <a:ln>
+                  <a:solidFill>
+                    <a:schemeClr val="accent1">
+                      <a:shade val="50000"/>
+                      <a:alpha val="0"/>
+                    </a:schemeClr>
+                  </a:solidFill>
+                </a:ln>
+                <a:solidFill>
+                  <a:srgbClr val="150301"/>
+                </a:solidFill>
+                <a:latin typeface="나눔스퀘어 Light" panose="020B0600000101010101" pitchFamily="50" charset="-127"/>
+                <a:ea typeface="나눔스퀘어 Light" panose="020B0600000101010101" pitchFamily="50" charset="-127"/>
+              </a:rPr>
+              <a:t>지역별 출고량 뿐만 아니라 전체 출고량을 나타내는 컬럼을 생성하여</a:t>
+            </a:r>
+            <a:r>
+              <a:rPr lang="en-US" altLang="ko-KR" sz="1600" dirty="0">
+                <a:ln>
+                  <a:solidFill>
+                    <a:schemeClr val="accent1">
+                      <a:shade val="50000"/>
+                      <a:alpha val="0"/>
+                    </a:schemeClr>
+                  </a:solidFill>
+                </a:ln>
+                <a:solidFill>
+                  <a:srgbClr val="150301"/>
+                </a:solidFill>
+                <a:latin typeface="나눔스퀘어 Light" panose="020B0600000101010101" pitchFamily="50" charset="-127"/>
+                <a:ea typeface="나눔스퀘어 Light" panose="020B0600000101010101" pitchFamily="50" charset="-127"/>
+              </a:rPr>
+              <a:t>, </a:t>
+            </a:r>
+            <a:r>
+              <a:rPr lang="ko-KR" altLang="en-US" sz="1600" dirty="0">
+                <a:ln>
+                  <a:solidFill>
+                    <a:schemeClr val="accent1">
+                      <a:shade val="50000"/>
+                      <a:alpha val="0"/>
+                    </a:schemeClr>
+                  </a:solidFill>
+                </a:ln>
+                <a:solidFill>
+                  <a:srgbClr val="150301"/>
+                </a:solidFill>
+                <a:latin typeface="나눔스퀘어 Light" panose="020B0600000101010101" pitchFamily="50" charset="-127"/>
+                <a:ea typeface="나눔스퀘어 Light" panose="020B0600000101010101" pitchFamily="50" charset="-127"/>
+              </a:rPr>
+              <a:t>전체 인기를 파악할 수 있도록 함</a:t>
+            </a:r>
+            <a:endParaRPr lang="en-US" altLang="ko-KR" sz="1600" dirty="0">
+              <a:ln>
+                <a:solidFill>
+                  <a:schemeClr val="accent1">
+                    <a:shade val="50000"/>
+                    <a:alpha val="0"/>
+                  </a:schemeClr>
+                </a:solidFill>
+              </a:ln>
+              <a:solidFill>
+                <a:srgbClr val="150301"/>
+              </a:solidFill>
+              <a:latin typeface="나눔스퀘어 Light" panose="020B0600000101010101" pitchFamily="50" charset="-127"/>
+              <a:ea typeface="나눔스퀘어 Light" panose="020B0600000101010101" pitchFamily="50" charset="-127"/>
+            </a:endParaRPr>
+          </a:p>
+          <a:p>
+            <a:pPr marL="285750" lvl="1" indent="-285750">
+              <a:buFontTx/>
+              <a:buChar char="-"/>
+            </a:pPr>
+            <a:endParaRPr lang="en-US" altLang="ko-KR" sz="1600" dirty="0">
+              <a:ln>
+                <a:solidFill>
+                  <a:schemeClr val="accent1">
+                    <a:shade val="50000"/>
+                    <a:alpha val="0"/>
+                  </a:schemeClr>
+                </a:solidFill>
+              </a:ln>
+              <a:solidFill>
+                <a:srgbClr val="150301"/>
+              </a:solidFill>
+              <a:latin typeface="나눔스퀘어 Light" panose="020B0600000101010101" pitchFamily="50" charset="-127"/>
+              <a:ea typeface="나눔스퀘어 Light" panose="020B0600000101010101" pitchFamily="50" charset="-127"/>
+            </a:endParaRPr>
+          </a:p>
+          <a:p>
+            <a:pPr marL="285750" lvl="1" indent="-285750">
+              <a:buFontTx/>
+              <a:buChar char="-"/>
+            </a:pPr>
+            <a:r>
+              <a:rPr lang="ko-KR" altLang="en-US" sz="1600" dirty="0">
+                <a:ln>
+                  <a:solidFill>
+                    <a:schemeClr val="accent1">
+                      <a:shade val="50000"/>
+                      <a:alpha val="0"/>
+                    </a:schemeClr>
+                  </a:solidFill>
+                </a:ln>
+                <a:solidFill>
+                  <a:srgbClr val="150301"/>
+                </a:solidFill>
+                <a:latin typeface="나눔스퀘어 Light" panose="020B0600000101010101" pitchFamily="50" charset="-127"/>
+                <a:ea typeface="나눔스퀘어 Light" panose="020B0600000101010101" pitchFamily="50" charset="-127"/>
+              </a:rPr>
+              <a:t>회사는 다양한 게임을 출시할 능력이 있는 대규모의 게임 회사로 가정</a:t>
+            </a:r>
+            <a:endParaRPr lang="en-US" altLang="ko-KR" sz="1600" dirty="0">
+              <a:ln>
+                <a:solidFill>
+                  <a:schemeClr val="accent1">
+                    <a:shade val="50000"/>
+                    <a:alpha val="0"/>
+                  </a:schemeClr>
+                </a:solidFill>
+              </a:ln>
+              <a:solidFill>
+                <a:srgbClr val="150301"/>
+              </a:solidFill>
+              <a:latin typeface="나눔스퀘어 Light" panose="020B0600000101010101" pitchFamily="50" charset="-127"/>
+              <a:ea typeface="나눔스퀘어 Light" panose="020B0600000101010101" pitchFamily="50" charset="-127"/>
+            </a:endParaRPr>
+          </a:p>
+          <a:p>
+            <a:pPr marL="285750" lvl="1" indent="-285750">
+              <a:buFontTx/>
+              <a:buChar char="-"/>
+            </a:pPr>
+            <a:endParaRPr lang="en-US" altLang="ko-KR" sz="1600" dirty="0">
+              <a:ln>
+                <a:solidFill>
+                  <a:schemeClr val="accent1">
+                    <a:shade val="50000"/>
+                    <a:alpha val="0"/>
+                  </a:schemeClr>
+                </a:solidFill>
+              </a:ln>
+              <a:solidFill>
+                <a:srgbClr val="150301"/>
+              </a:solidFill>
+              <a:latin typeface="나눔스퀘어 Light" panose="020B0600000101010101" pitchFamily="50" charset="-127"/>
+              <a:ea typeface="나눔스퀘어 Light" panose="020B0600000101010101" pitchFamily="50" charset="-127"/>
+            </a:endParaRPr>
+          </a:p>
+          <a:p>
+            <a:pPr marL="285750" lvl="1" indent="-285750">
+              <a:buFontTx/>
+              <a:buChar char="-"/>
+            </a:pPr>
+            <a:r>
+              <a:rPr lang="ko-KR" altLang="en-US" sz="1600" dirty="0">
+                <a:ln>
+                  <a:solidFill>
+                    <a:schemeClr val="accent1">
+                      <a:shade val="50000"/>
+                      <a:alpha val="0"/>
+                    </a:schemeClr>
+                  </a:solidFill>
+                </a:ln>
+                <a:solidFill>
+                  <a:srgbClr val="150301"/>
+                </a:solidFill>
+                <a:latin typeface="나눔스퀘어 Light" panose="020B0600000101010101" pitchFamily="50" charset="-127"/>
+                <a:ea typeface="나눔스퀘어 Light" panose="020B0600000101010101" pitchFamily="50" charset="-127"/>
+              </a:rPr>
+              <a:t>다국적 기업이므로 북미</a:t>
+            </a:r>
+            <a:r>
+              <a:rPr lang="en-US" altLang="ko-KR" sz="1600" dirty="0">
+                <a:ln>
+                  <a:solidFill>
+                    <a:schemeClr val="accent1">
+                      <a:shade val="50000"/>
+                      <a:alpha val="0"/>
+                    </a:schemeClr>
+                  </a:solidFill>
+                </a:ln>
+                <a:solidFill>
+                  <a:srgbClr val="150301"/>
+                </a:solidFill>
+                <a:latin typeface="나눔스퀘어 Light" panose="020B0600000101010101" pitchFamily="50" charset="-127"/>
+                <a:ea typeface="나눔스퀘어 Light" panose="020B0600000101010101" pitchFamily="50" charset="-127"/>
+              </a:rPr>
+              <a:t>, </a:t>
+            </a:r>
+            <a:r>
+              <a:rPr lang="ko-KR" altLang="en-US" sz="1600" dirty="0">
+                <a:ln>
+                  <a:solidFill>
+                    <a:schemeClr val="accent1">
+                      <a:shade val="50000"/>
+                      <a:alpha val="0"/>
+                    </a:schemeClr>
+                  </a:solidFill>
+                </a:ln>
+                <a:solidFill>
+                  <a:srgbClr val="150301"/>
+                </a:solidFill>
+                <a:latin typeface="나눔스퀘어 Light" panose="020B0600000101010101" pitchFamily="50" charset="-127"/>
+                <a:ea typeface="나눔스퀘어 Light" panose="020B0600000101010101" pitchFamily="50" charset="-127"/>
+              </a:rPr>
+              <a:t>유럽</a:t>
+            </a:r>
+            <a:r>
+              <a:rPr lang="en-US" altLang="ko-KR" sz="1600" dirty="0">
+                <a:ln>
+                  <a:solidFill>
+                    <a:schemeClr val="accent1">
+                      <a:shade val="50000"/>
+                      <a:alpha val="0"/>
+                    </a:schemeClr>
+                  </a:solidFill>
+                </a:ln>
+                <a:solidFill>
+                  <a:srgbClr val="150301"/>
+                </a:solidFill>
+                <a:latin typeface="나눔스퀘어 Light" panose="020B0600000101010101" pitchFamily="50" charset="-127"/>
+                <a:ea typeface="나눔스퀘어 Light" panose="020B0600000101010101" pitchFamily="50" charset="-127"/>
+              </a:rPr>
+              <a:t>, </a:t>
+            </a:r>
+            <a:r>
+              <a:rPr lang="ko-KR" altLang="en-US" sz="1600" dirty="0">
+                <a:ln>
+                  <a:solidFill>
+                    <a:schemeClr val="accent1">
+                      <a:shade val="50000"/>
+                      <a:alpha val="0"/>
+                    </a:schemeClr>
+                  </a:solidFill>
+                </a:ln>
+                <a:solidFill>
+                  <a:srgbClr val="150301"/>
+                </a:solidFill>
+                <a:latin typeface="나눔스퀘어 Light" panose="020B0600000101010101" pitchFamily="50" charset="-127"/>
+                <a:ea typeface="나눔스퀘어 Light" panose="020B0600000101010101" pitchFamily="50" charset="-127"/>
+              </a:rPr>
+              <a:t>일본 지역 모두 진출하고 있음</a:t>
+            </a:r>
+            <a:endParaRPr lang="en-US" altLang="ko-KR" sz="1600" dirty="0">
+              <a:ln>
+                <a:solidFill>
+                  <a:schemeClr val="accent1">
+                    <a:shade val="50000"/>
+                    <a:alpha val="0"/>
+                  </a:schemeClr>
+                </a:solidFill>
+              </a:ln>
+              <a:solidFill>
+                <a:srgbClr val="150301"/>
+              </a:solidFill>
+              <a:latin typeface="나눔스퀘어 Light" panose="020B0600000101010101" pitchFamily="50" charset="-127"/>
+              <a:ea typeface="나눔스퀘어 Light" panose="020B0600000101010101" pitchFamily="50" charset="-127"/>
+            </a:endParaRPr>
+          </a:p>
+        </p:txBody>
+      </p:sp>
+      <p:sp>
+        <p:nvSpPr>
+          <p:cNvPr id="35" name="TextBox 34">
+            <a:extLst>
+              <a:ext uri="{FF2B5EF4-FFF2-40B4-BE49-F238E27FC236}">
+                <a16:creationId xmlns:a16="http://schemas.microsoft.com/office/drawing/2014/main" id="{B2D09C5D-A4F4-4C99-A797-7EAE1C2E59A5}"/>
+              </a:ext>
+            </a:extLst>
+          </p:cNvPr>
+          <p:cNvSpPr txBox="1"/>
+          <p:nvPr/>
+        </p:nvSpPr>
+        <p:spPr>
+          <a:xfrm>
+            <a:off x="618949" y="736954"/>
+            <a:ext cx="8959004" cy="707886"/>
+          </a:xfrm>
+          <a:prstGeom prst="rect">
+            <a:avLst/>
+          </a:prstGeom>
+          <a:noFill/>
+        </p:spPr>
+        <p:txBody>
+          <a:bodyPr wrap="square" rtlCol="0">
+            <a:spAutoFit/>
+          </a:bodyPr>
+          <a:lstStyle/>
+          <a:p>
+            <a:r>
+              <a:rPr lang="en-US" altLang="ko-KR" sz="4000" b="1" dirty="0">
+                <a:ln w="31750">
+                  <a:solidFill>
+                    <a:schemeClr val="tx1">
+                      <a:lumMod val="85000"/>
+                      <a:lumOff val="15000"/>
+                    </a:schemeClr>
+                  </a:solidFill>
+                  <a:prstDash val="solid"/>
+                </a:ln>
+                <a:solidFill>
+                  <a:srgbClr val="FF0000"/>
+                </a:solidFill>
+                <a:effectLst>
+                  <a:outerShdw dist="76200" dir="3360000" algn="bl" rotWithShape="0">
+                    <a:schemeClr val="tx2">
+                      <a:lumMod val="75000"/>
+                    </a:schemeClr>
+                  </a:outerShdw>
+                </a:effectLst>
+                <a:latin typeface="둥근모꼴" panose="020B0500000000000000" pitchFamily="50" charset="-127"/>
+                <a:ea typeface="둥근모꼴" panose="020B0500000000000000" pitchFamily="50" charset="-127"/>
+                <a:cs typeface="둥근모꼴" panose="020B0500000000000000" pitchFamily="50" charset="-127"/>
+              </a:rPr>
+              <a:t>Chapter 01 – Data Analyses</a:t>
+            </a:r>
+            <a:endParaRPr lang="ko-KR" altLang="en-US" sz="4000" b="1" dirty="0">
+              <a:ln w="31750">
+                <a:solidFill>
+                  <a:schemeClr val="tx1">
+                    <a:lumMod val="85000"/>
+                    <a:lumOff val="15000"/>
+                  </a:schemeClr>
+                </a:solidFill>
+                <a:prstDash val="solid"/>
+              </a:ln>
+              <a:solidFill>
+                <a:srgbClr val="FF0000"/>
+              </a:solidFill>
+              <a:effectLst>
+                <a:outerShdw dist="76200" dir="3360000" algn="bl" rotWithShape="0">
+                  <a:schemeClr val="tx2">
+                    <a:lumMod val="75000"/>
+                  </a:schemeClr>
+                </a:outerShdw>
+              </a:effectLst>
+              <a:latin typeface="둥근모꼴" panose="020B0500000000000000" pitchFamily="50" charset="-127"/>
+              <a:ea typeface="둥근모꼴" panose="020B0500000000000000" pitchFamily="50" charset="-127"/>
+              <a:cs typeface="둥근모꼴" panose="020B0500000000000000" pitchFamily="50" charset="-127"/>
+            </a:endParaRPr>
+          </a:p>
+        </p:txBody>
+      </p:sp>
+      <p:sp>
+        <p:nvSpPr>
+          <p:cNvPr id="3" name="TextBox 2">
+            <a:extLst>
+              <a:ext uri="{FF2B5EF4-FFF2-40B4-BE49-F238E27FC236}">
+                <a16:creationId xmlns:a16="http://schemas.microsoft.com/office/drawing/2014/main" id="{7C0289A1-3B63-DF52-B6A3-6A1D9B8D8C59}"/>
+              </a:ext>
+            </a:extLst>
+          </p:cNvPr>
+          <p:cNvSpPr txBox="1"/>
+          <p:nvPr/>
+        </p:nvSpPr>
+        <p:spPr>
+          <a:xfrm>
+            <a:off x="792062" y="1405261"/>
+            <a:ext cx="6399152" cy="430887"/>
+          </a:xfrm>
+          <a:prstGeom prst="rect">
+            <a:avLst/>
+          </a:prstGeom>
+          <a:noFill/>
+        </p:spPr>
+        <p:txBody>
+          <a:bodyPr wrap="square" rtlCol="0">
+            <a:spAutoFit/>
+          </a:bodyPr>
+          <a:lstStyle/>
+          <a:p>
+            <a:r>
+              <a:rPr lang="en-US" altLang="ko-KR" sz="2200" b="1" spc="300" dirty="0">
+                <a:ln w="31750">
+                  <a:solidFill>
+                    <a:schemeClr val="tx1">
+                      <a:lumMod val="85000"/>
+                      <a:lumOff val="15000"/>
+                    </a:schemeClr>
+                  </a:solidFill>
+                  <a:prstDash val="solid"/>
+                </a:ln>
+                <a:solidFill>
+                  <a:srgbClr val="00B050"/>
+                </a:solidFill>
+                <a:effectLst>
+                  <a:outerShdw dist="76200" dir="3360000" algn="bl" rotWithShape="0">
+                    <a:schemeClr val="tx2">
+                      <a:lumMod val="75000"/>
+                    </a:schemeClr>
+                  </a:outerShdw>
+                </a:effectLst>
+                <a:latin typeface="둥근모꼴" panose="020B0500000000000000" pitchFamily="50" charset="-127"/>
+                <a:ea typeface="둥근모꼴" panose="020B0500000000000000" pitchFamily="50" charset="-127"/>
+                <a:cs typeface="둥근모꼴" panose="020B0500000000000000" pitchFamily="50" charset="-127"/>
+              </a:rPr>
+              <a:t>Analysis Method / Assume </a:t>
+            </a:r>
+            <a:endParaRPr lang="ko-KR" altLang="en-US" sz="2200" b="1" spc="300" dirty="0">
+              <a:ln w="31750">
+                <a:solidFill>
+                  <a:schemeClr val="tx1">
+                    <a:lumMod val="85000"/>
+                    <a:lumOff val="15000"/>
+                  </a:schemeClr>
+                </a:solidFill>
+                <a:prstDash val="solid"/>
+              </a:ln>
+              <a:solidFill>
+                <a:srgbClr val="00B050"/>
+              </a:solidFill>
+              <a:effectLst>
+                <a:outerShdw dist="76200" dir="3360000" algn="bl" rotWithShape="0">
+                  <a:schemeClr val="tx2">
+                    <a:lumMod val="75000"/>
+                  </a:schemeClr>
+                </a:outerShdw>
+              </a:effectLst>
+              <a:latin typeface="둥근모꼴" panose="020B0500000000000000" pitchFamily="50" charset="-127"/>
+              <a:ea typeface="둥근모꼴" panose="020B0500000000000000" pitchFamily="50" charset="-127"/>
+              <a:cs typeface="둥근모꼴" panose="020B0500000000000000" pitchFamily="50" charset="-127"/>
+            </a:endParaRPr>
+          </a:p>
+        </p:txBody>
+      </p:sp>
+    </p:spTree>
+    <p:extLst>
+      <p:ext uri="{BB962C8B-B14F-4D97-AF65-F5344CB8AC3E}">
+        <p14:creationId xmlns:p14="http://schemas.microsoft.com/office/powerpoint/2010/main" val="3951101512"/>
+      </p:ext>
+    </p:extLst>
+  </p:cSld>
+  <p:clrMapOvr>
+    <a:masterClrMapping/>
+  </p:clrMapOvr>
+</p:sld>
+</file>
+
+<file path=ppt/slides/slide30.xml><?xml version="1.0" encoding="utf-8"?>
 <p:sld xmlns:a="http://schemas.openxmlformats.org/drawingml/2006/main" xmlns:r="http://schemas.openxmlformats.org/officeDocument/2006/relationships" xmlns:p="http://schemas.openxmlformats.org/presentationml/2006/main">
   <p:cSld>
     <p:spTree>
@@ -13503,7 +15395,7 @@
 </p:sld>
 </file>
 
-<file path=ppt/slides/slide27.xml><?xml version="1.0" encoding="utf-8"?>
+<file path=ppt/slides/slide31.xml><?xml version="1.0" encoding="utf-8"?>
 <p:sld xmlns:a="http://schemas.openxmlformats.org/drawingml/2006/main" xmlns:r="http://schemas.openxmlformats.org/officeDocument/2006/relationships" xmlns:p="http://schemas.openxmlformats.org/presentationml/2006/main">
   <p:cSld>
     <p:spTree>
@@ -14386,7 +16278,7 @@
 </p:sld>
 </file>
 
-<file path=ppt/slides/slide28.xml><?xml version="1.0" encoding="utf-8"?>
+<file path=ppt/slides/slide32.xml><?xml version="1.0" encoding="utf-8"?>
 <p:sld xmlns:a="http://schemas.openxmlformats.org/drawingml/2006/main" xmlns:r="http://schemas.openxmlformats.org/officeDocument/2006/relationships" xmlns:p="http://schemas.openxmlformats.org/presentationml/2006/main">
   <p:cSld>
     <p:spTree>
@@ -15236,7 +17128,7 @@
 </p:sld>
 </file>
 
-<file path=ppt/slides/slide29.xml><?xml version="1.0" encoding="utf-8"?>
+<file path=ppt/slides/slide33.xml><?xml version="1.0" encoding="utf-8"?>
 <p:sld xmlns:a="http://schemas.openxmlformats.org/drawingml/2006/main" xmlns:r="http://schemas.openxmlformats.org/officeDocument/2006/relationships" xmlns:p="http://schemas.openxmlformats.org/presentationml/2006/main">
   <p:cSld>
     <p:spTree>
@@ -16119,1007 +18011,7 @@
 </p:sld>
 </file>
 
-<file path=ppt/slides/slide3.xml><?xml version="1.0" encoding="utf-8"?>
-<p:sld xmlns:a="http://schemas.openxmlformats.org/drawingml/2006/main" xmlns:r="http://schemas.openxmlformats.org/officeDocument/2006/relationships" xmlns:p="http://schemas.openxmlformats.org/presentationml/2006/main">
-  <p:cSld>
-    <p:spTree>
-      <p:nvGrpSpPr>
-        <p:cNvPr id="1" name=""/>
-        <p:cNvGrpSpPr/>
-        <p:nvPr/>
-      </p:nvGrpSpPr>
-      <p:grpSpPr>
-        <a:xfrm>
-          <a:off x="0" y="0"/>
-          <a:ext cx="0" cy="0"/>
-          <a:chOff x="0" y="0"/>
-          <a:chExt cx="0" cy="0"/>
-        </a:xfrm>
-      </p:grpSpPr>
-      <p:sp>
-        <p:nvSpPr>
-          <p:cNvPr id="9" name="직사각형 8">
-            <a:extLst>
-              <a:ext uri="{FF2B5EF4-FFF2-40B4-BE49-F238E27FC236}">
-                <a16:creationId xmlns:a16="http://schemas.microsoft.com/office/drawing/2014/main" id="{5C1BC04F-38D2-40B5-9DA3-B83E5D0724A8}"/>
-              </a:ext>
-            </a:extLst>
-          </p:cNvPr>
-          <p:cNvSpPr/>
-          <p:nvPr/>
-        </p:nvSpPr>
-        <p:spPr>
-          <a:xfrm>
-            <a:off x="792062" y="2257219"/>
-            <a:ext cx="10587138" cy="2800767"/>
-          </a:xfrm>
-          <a:prstGeom prst="rect">
-            <a:avLst/>
-          </a:prstGeom>
-          <a:noFill/>
-          <a:extLst>
-            <a:ext uri="{909E8E84-426E-40DD-AFC4-6F175D3DCCD1}">
-              <a14:hiddenFill xmlns:a14="http://schemas.microsoft.com/office/drawing/2010/main">
-                <a:solidFill>
-                  <a:srgbClr val="FFFFFF"/>
-                </a:solidFill>
-              </a14:hiddenFill>
-            </a:ext>
-          </a:extLst>
-        </p:spPr>
-        <p:txBody>
-          <a:bodyPr wrap="square" rtlCol="0">
-            <a:spAutoFit/>
-          </a:bodyPr>
-          <a:lstStyle/>
-          <a:p>
-            <a:pPr marL="285750" lvl="1" indent="-285750">
-              <a:buFontTx/>
-              <a:buChar char="-"/>
-            </a:pPr>
-            <a:r>
-              <a:rPr lang="ko-KR" altLang="en-US" sz="1600" dirty="0">
-                <a:ln>
-                  <a:solidFill>
-                    <a:schemeClr val="accent1">
-                      <a:shade val="50000"/>
-                      <a:alpha val="0"/>
-                    </a:schemeClr>
-                  </a:solidFill>
-                </a:ln>
-                <a:solidFill>
-                  <a:srgbClr val="150301"/>
-                </a:solidFill>
-                <a:latin typeface="나눔스퀘어 Light" panose="020B0600000101010101" pitchFamily="50" charset="-127"/>
-                <a:ea typeface="나눔스퀘어 Light" panose="020B0600000101010101" pitchFamily="50" charset="-127"/>
-              </a:rPr>
-              <a:t>데이터셋은 </a:t>
-            </a:r>
-            <a:r>
-              <a:rPr lang="en-US" altLang="ko-KR" sz="1600" dirty="0">
-                <a:ln>
-                  <a:solidFill>
-                    <a:schemeClr val="accent1">
-                      <a:shade val="50000"/>
-                      <a:alpha val="0"/>
-                    </a:schemeClr>
-                  </a:solidFill>
-                </a:ln>
-                <a:solidFill>
-                  <a:srgbClr val="150301"/>
-                </a:solidFill>
-                <a:latin typeface="나눔스퀘어 Light" panose="020B0600000101010101" pitchFamily="50" charset="-127"/>
-                <a:ea typeface="나눔스퀘어 Light" panose="020B0600000101010101" pitchFamily="50" charset="-127"/>
-              </a:rPr>
-              <a:t>1980</a:t>
-            </a:r>
-            <a:r>
-              <a:rPr lang="ko-KR" altLang="en-US" sz="1600" dirty="0">
-                <a:ln>
-                  <a:solidFill>
-                    <a:schemeClr val="accent1">
-                      <a:shade val="50000"/>
-                      <a:alpha val="0"/>
-                    </a:schemeClr>
-                  </a:solidFill>
-                </a:ln>
-                <a:solidFill>
-                  <a:srgbClr val="150301"/>
-                </a:solidFill>
-                <a:latin typeface="나눔스퀘어 Light" panose="020B0600000101010101" pitchFamily="50" charset="-127"/>
-                <a:ea typeface="나눔스퀘어 Light" panose="020B0600000101010101" pitchFamily="50" charset="-127"/>
-              </a:rPr>
-              <a:t>년대부터 </a:t>
-            </a:r>
-            <a:r>
-              <a:rPr lang="en-US" altLang="ko-KR" sz="1600" dirty="0">
-                <a:ln>
-                  <a:solidFill>
-                    <a:schemeClr val="accent1">
-                      <a:shade val="50000"/>
-                      <a:alpha val="0"/>
-                    </a:schemeClr>
-                  </a:solidFill>
-                </a:ln>
-                <a:solidFill>
-                  <a:srgbClr val="150301"/>
-                </a:solidFill>
-                <a:latin typeface="나눔스퀘어 Light" panose="020B0600000101010101" pitchFamily="50" charset="-127"/>
-                <a:ea typeface="나눔스퀘어 Light" panose="020B0600000101010101" pitchFamily="50" charset="-127"/>
-              </a:rPr>
-              <a:t>2020</a:t>
-            </a:r>
-            <a:r>
-              <a:rPr lang="ko-KR" altLang="en-US" sz="1600" dirty="0">
-                <a:ln>
-                  <a:solidFill>
-                    <a:schemeClr val="accent1">
-                      <a:shade val="50000"/>
-                      <a:alpha val="0"/>
-                    </a:schemeClr>
-                  </a:solidFill>
-                </a:ln>
-                <a:solidFill>
-                  <a:srgbClr val="150301"/>
-                </a:solidFill>
-                <a:latin typeface="나눔스퀘어 Light" panose="020B0600000101010101" pitchFamily="50" charset="-127"/>
-                <a:ea typeface="나눔스퀘어 Light" panose="020B0600000101010101" pitchFamily="50" charset="-127"/>
-              </a:rPr>
-              <a:t>년까지 게임과 플랫폼</a:t>
-            </a:r>
-            <a:r>
-              <a:rPr lang="en-US" altLang="ko-KR" sz="1600" dirty="0">
-                <a:ln>
-                  <a:solidFill>
-                    <a:schemeClr val="accent1">
-                      <a:shade val="50000"/>
-                      <a:alpha val="0"/>
-                    </a:schemeClr>
-                  </a:solidFill>
-                </a:ln>
-                <a:solidFill>
-                  <a:srgbClr val="150301"/>
-                </a:solidFill>
-                <a:latin typeface="나눔스퀘어 Light" panose="020B0600000101010101" pitchFamily="50" charset="-127"/>
-                <a:ea typeface="나눔스퀘어 Light" panose="020B0600000101010101" pitchFamily="50" charset="-127"/>
-              </a:rPr>
-              <a:t>, </a:t>
-            </a:r>
-            <a:r>
-              <a:rPr lang="ko-KR" altLang="en-US" sz="1600" dirty="0">
-                <a:ln>
-                  <a:solidFill>
-                    <a:schemeClr val="accent1">
-                      <a:shade val="50000"/>
-                      <a:alpha val="0"/>
-                    </a:schemeClr>
-                  </a:solidFill>
-                </a:ln>
-                <a:solidFill>
-                  <a:srgbClr val="150301"/>
-                </a:solidFill>
-                <a:latin typeface="나눔스퀘어 Light" panose="020B0600000101010101" pitchFamily="50" charset="-127"/>
-                <a:ea typeface="나눔스퀘어 Light" panose="020B0600000101010101" pitchFamily="50" charset="-127"/>
-              </a:rPr>
-              <a:t>장르</a:t>
-            </a:r>
-            <a:r>
-              <a:rPr lang="en-US" altLang="ko-KR" sz="1600" dirty="0">
-                <a:ln>
-                  <a:solidFill>
-                    <a:schemeClr val="accent1">
-                      <a:shade val="50000"/>
-                      <a:alpha val="0"/>
-                    </a:schemeClr>
-                  </a:solidFill>
-                </a:ln>
-                <a:solidFill>
-                  <a:srgbClr val="150301"/>
-                </a:solidFill>
-                <a:latin typeface="나눔스퀘어 Light" panose="020B0600000101010101" pitchFamily="50" charset="-127"/>
-                <a:ea typeface="나눔스퀘어 Light" panose="020B0600000101010101" pitchFamily="50" charset="-127"/>
-              </a:rPr>
-              <a:t>, </a:t>
-            </a:r>
-            <a:r>
-              <a:rPr lang="ko-KR" altLang="en-US" sz="1600" dirty="0">
-                <a:ln>
-                  <a:solidFill>
-                    <a:schemeClr val="accent1">
-                      <a:shade val="50000"/>
-                      <a:alpha val="0"/>
-                    </a:schemeClr>
-                  </a:solidFill>
-                </a:ln>
-                <a:solidFill>
-                  <a:srgbClr val="150301"/>
-                </a:solidFill>
-                <a:latin typeface="나눔스퀘어 Light" panose="020B0600000101010101" pitchFamily="50" charset="-127"/>
-                <a:ea typeface="나눔스퀘어 Light" panose="020B0600000101010101" pitchFamily="50" charset="-127"/>
-              </a:rPr>
-              <a:t>북미</a:t>
-            </a:r>
-            <a:r>
-              <a:rPr lang="en-US" altLang="ko-KR" sz="1600" dirty="0">
-                <a:ln>
-                  <a:solidFill>
-                    <a:schemeClr val="accent1">
-                      <a:shade val="50000"/>
-                      <a:alpha val="0"/>
-                    </a:schemeClr>
-                  </a:solidFill>
-                </a:ln>
-                <a:solidFill>
-                  <a:srgbClr val="150301"/>
-                </a:solidFill>
-                <a:latin typeface="나눔스퀘어 Light" panose="020B0600000101010101" pitchFamily="50" charset="-127"/>
-                <a:ea typeface="나눔스퀘어 Light" panose="020B0600000101010101" pitchFamily="50" charset="-127"/>
-              </a:rPr>
-              <a:t>/</a:t>
-            </a:r>
-            <a:r>
-              <a:rPr lang="ko-KR" altLang="en-US" sz="1600" dirty="0">
-                <a:ln>
-                  <a:solidFill>
-                    <a:schemeClr val="accent1">
-                      <a:shade val="50000"/>
-                      <a:alpha val="0"/>
-                    </a:schemeClr>
-                  </a:solidFill>
-                </a:ln>
-                <a:solidFill>
-                  <a:srgbClr val="150301"/>
-                </a:solidFill>
-                <a:latin typeface="나눔스퀘어 Light" panose="020B0600000101010101" pitchFamily="50" charset="-127"/>
-                <a:ea typeface="나눔스퀘어 Light" panose="020B0600000101010101" pitchFamily="50" charset="-127"/>
-              </a:rPr>
-              <a:t>유럽</a:t>
-            </a:r>
-            <a:r>
-              <a:rPr lang="en-US" altLang="ko-KR" sz="1600" dirty="0">
-                <a:ln>
-                  <a:solidFill>
-                    <a:schemeClr val="accent1">
-                      <a:shade val="50000"/>
-                      <a:alpha val="0"/>
-                    </a:schemeClr>
-                  </a:solidFill>
-                </a:ln>
-                <a:solidFill>
-                  <a:srgbClr val="150301"/>
-                </a:solidFill>
-                <a:latin typeface="나눔스퀘어 Light" panose="020B0600000101010101" pitchFamily="50" charset="-127"/>
-                <a:ea typeface="나눔스퀘어 Light" panose="020B0600000101010101" pitchFamily="50" charset="-127"/>
-              </a:rPr>
-              <a:t>/</a:t>
-            </a:r>
-            <a:r>
-              <a:rPr lang="ko-KR" altLang="en-US" sz="1600" dirty="0">
-                <a:ln>
-                  <a:solidFill>
-                    <a:schemeClr val="accent1">
-                      <a:shade val="50000"/>
-                      <a:alpha val="0"/>
-                    </a:schemeClr>
-                  </a:solidFill>
-                </a:ln>
-                <a:solidFill>
-                  <a:srgbClr val="150301"/>
-                </a:solidFill>
-                <a:latin typeface="나눔스퀘어 Light" panose="020B0600000101010101" pitchFamily="50" charset="-127"/>
-                <a:ea typeface="나눔스퀘어 Light" panose="020B0600000101010101" pitchFamily="50" charset="-127"/>
-              </a:rPr>
-              <a:t>일본</a:t>
-            </a:r>
-            <a:r>
-              <a:rPr lang="en-US" altLang="ko-KR" sz="1600" dirty="0">
-                <a:ln>
-                  <a:solidFill>
-                    <a:schemeClr val="accent1">
-                      <a:shade val="50000"/>
-                      <a:alpha val="0"/>
-                    </a:schemeClr>
-                  </a:solidFill>
-                </a:ln>
-                <a:solidFill>
-                  <a:srgbClr val="150301"/>
-                </a:solidFill>
-                <a:latin typeface="나눔스퀘어 Light" panose="020B0600000101010101" pitchFamily="50" charset="-127"/>
-                <a:ea typeface="나눔스퀘어 Light" panose="020B0600000101010101" pitchFamily="50" charset="-127"/>
-              </a:rPr>
-              <a:t>/</a:t>
-            </a:r>
-            <a:r>
-              <a:rPr lang="ko-KR" altLang="en-US" sz="1600" dirty="0">
-                <a:ln>
-                  <a:solidFill>
-                    <a:schemeClr val="accent1">
-                      <a:shade val="50000"/>
-                      <a:alpha val="0"/>
-                    </a:schemeClr>
-                  </a:solidFill>
-                </a:ln>
-                <a:solidFill>
-                  <a:srgbClr val="150301"/>
-                </a:solidFill>
-                <a:latin typeface="나눔스퀘어 Light" panose="020B0600000101010101" pitchFamily="50" charset="-127"/>
-                <a:ea typeface="나눔스퀘어 Light" panose="020B0600000101010101" pitchFamily="50" charset="-127"/>
-              </a:rPr>
-              <a:t>기타지역의 출고량으로 이루어져 있음</a:t>
-            </a:r>
-            <a:endParaRPr lang="en-US" altLang="ko-KR" sz="1600" dirty="0">
-              <a:ln>
-                <a:solidFill>
-                  <a:schemeClr val="accent1">
-                    <a:shade val="50000"/>
-                    <a:alpha val="0"/>
-                  </a:schemeClr>
-                </a:solidFill>
-              </a:ln>
-              <a:solidFill>
-                <a:srgbClr val="150301"/>
-              </a:solidFill>
-              <a:latin typeface="나눔스퀘어 Light" panose="020B0600000101010101" pitchFamily="50" charset="-127"/>
-              <a:ea typeface="나눔스퀘어 Light" panose="020B0600000101010101" pitchFamily="50" charset="-127"/>
-            </a:endParaRPr>
-          </a:p>
-          <a:p>
-            <a:pPr marL="285750" lvl="1" indent="-285750">
-              <a:buFontTx/>
-              <a:buChar char="-"/>
-            </a:pPr>
-            <a:endParaRPr lang="en-US" altLang="ko-KR" sz="1600" dirty="0">
-              <a:ln>
-                <a:solidFill>
-                  <a:schemeClr val="accent1">
-                    <a:shade val="50000"/>
-                    <a:alpha val="0"/>
-                  </a:schemeClr>
-                </a:solidFill>
-              </a:ln>
-              <a:solidFill>
-                <a:srgbClr val="150301"/>
-              </a:solidFill>
-              <a:latin typeface="나눔스퀘어 Light" panose="020B0600000101010101" pitchFamily="50" charset="-127"/>
-              <a:ea typeface="나눔스퀘어 Light" panose="020B0600000101010101" pitchFamily="50" charset="-127"/>
-            </a:endParaRPr>
-          </a:p>
-          <a:p>
-            <a:pPr marL="285750" lvl="1" indent="-285750">
-              <a:buFontTx/>
-              <a:buChar char="-"/>
-            </a:pPr>
-            <a:r>
-              <a:rPr lang="ko-KR" altLang="en-US" sz="1600" dirty="0">
-                <a:ln>
-                  <a:solidFill>
-                    <a:schemeClr val="accent1">
-                      <a:shade val="50000"/>
-                      <a:alpha val="0"/>
-                    </a:schemeClr>
-                  </a:solidFill>
-                </a:ln>
-                <a:solidFill>
-                  <a:srgbClr val="150301"/>
-                </a:solidFill>
-                <a:latin typeface="나눔스퀘어 Light" panose="020B0600000101010101" pitchFamily="50" charset="-127"/>
-                <a:ea typeface="나눔스퀘어 Light" panose="020B0600000101010101" pitchFamily="50" charset="-127"/>
-              </a:rPr>
-              <a:t>장르 선호도</a:t>
-            </a:r>
-            <a:r>
-              <a:rPr lang="en-US" altLang="ko-KR" sz="1600" dirty="0">
-                <a:ln>
-                  <a:solidFill>
-                    <a:schemeClr val="accent1">
-                      <a:shade val="50000"/>
-                      <a:alpha val="0"/>
-                    </a:schemeClr>
-                  </a:solidFill>
-                </a:ln>
-                <a:solidFill>
-                  <a:srgbClr val="150301"/>
-                </a:solidFill>
-                <a:latin typeface="나눔스퀘어 Light" panose="020B0600000101010101" pitchFamily="50" charset="-127"/>
-                <a:ea typeface="나눔스퀘어 Light" panose="020B0600000101010101" pitchFamily="50" charset="-127"/>
-              </a:rPr>
-              <a:t>, </a:t>
-            </a:r>
-            <a:r>
-              <a:rPr lang="ko-KR" altLang="en-US" sz="1600" dirty="0">
-                <a:ln>
-                  <a:solidFill>
-                    <a:schemeClr val="accent1">
-                      <a:shade val="50000"/>
-                      <a:alpha val="0"/>
-                    </a:schemeClr>
-                  </a:solidFill>
-                </a:ln>
-                <a:solidFill>
-                  <a:srgbClr val="150301"/>
-                </a:solidFill>
-                <a:latin typeface="나눔스퀘어 Light" panose="020B0600000101010101" pitchFamily="50" charset="-127"/>
-                <a:ea typeface="나눔스퀘어 Light" panose="020B0600000101010101" pitchFamily="50" charset="-127"/>
-              </a:rPr>
-              <a:t>트렌드</a:t>
-            </a:r>
-            <a:r>
-              <a:rPr lang="en-US" altLang="ko-KR" sz="1600" dirty="0">
-                <a:ln>
-                  <a:solidFill>
-                    <a:schemeClr val="accent1">
-                      <a:shade val="50000"/>
-                      <a:alpha val="0"/>
-                    </a:schemeClr>
-                  </a:solidFill>
-                </a:ln>
-                <a:solidFill>
-                  <a:srgbClr val="150301"/>
-                </a:solidFill>
-                <a:latin typeface="나눔스퀘어 Light" panose="020B0600000101010101" pitchFamily="50" charset="-127"/>
-                <a:ea typeface="나눔스퀘어 Light" panose="020B0600000101010101" pitchFamily="50" charset="-127"/>
-              </a:rPr>
-              <a:t>, </a:t>
-            </a:r>
-            <a:r>
-              <a:rPr lang="ko-KR" altLang="en-US" sz="1600" dirty="0">
-                <a:ln>
-                  <a:solidFill>
-                    <a:schemeClr val="accent1">
-                      <a:shade val="50000"/>
-                      <a:alpha val="0"/>
-                    </a:schemeClr>
-                  </a:solidFill>
-                </a:ln>
-                <a:solidFill>
-                  <a:srgbClr val="150301"/>
-                </a:solidFill>
-                <a:latin typeface="나눔스퀘어 Light" panose="020B0600000101010101" pitchFamily="50" charset="-127"/>
-                <a:ea typeface="나눔스퀘어 Light" panose="020B0600000101010101" pitchFamily="50" charset="-127"/>
-              </a:rPr>
-              <a:t>플랫폼에 대한 분석은 각 게임 별 총 출고량을 기준으로 함</a:t>
-            </a:r>
-            <a:endParaRPr lang="en-US" altLang="ko-KR" sz="1600" dirty="0">
-              <a:ln>
-                <a:solidFill>
-                  <a:schemeClr val="accent1">
-                    <a:shade val="50000"/>
-                    <a:alpha val="0"/>
-                  </a:schemeClr>
-                </a:solidFill>
-              </a:ln>
-              <a:solidFill>
-                <a:srgbClr val="150301"/>
-              </a:solidFill>
-              <a:latin typeface="나눔스퀘어 Light" panose="020B0600000101010101" pitchFamily="50" charset="-127"/>
-              <a:ea typeface="나눔스퀘어 Light" panose="020B0600000101010101" pitchFamily="50" charset="-127"/>
-            </a:endParaRPr>
-          </a:p>
-          <a:p>
-            <a:pPr marL="285750" lvl="1" indent="-285750">
-              <a:buFontTx/>
-              <a:buChar char="-"/>
-            </a:pPr>
-            <a:endParaRPr lang="en-US" altLang="ko-KR" sz="1600" dirty="0">
-              <a:ln>
-                <a:solidFill>
-                  <a:schemeClr val="accent1">
-                    <a:shade val="50000"/>
-                    <a:alpha val="0"/>
-                  </a:schemeClr>
-                </a:solidFill>
-              </a:ln>
-              <a:solidFill>
-                <a:srgbClr val="150301"/>
-              </a:solidFill>
-              <a:latin typeface="나눔스퀘어 Light" panose="020B0600000101010101" pitchFamily="50" charset="-127"/>
-              <a:ea typeface="나눔스퀘어 Light" panose="020B0600000101010101" pitchFamily="50" charset="-127"/>
-            </a:endParaRPr>
-          </a:p>
-          <a:p>
-            <a:pPr marL="285750" lvl="1" indent="-285750">
-              <a:buFontTx/>
-              <a:buChar char="-"/>
-            </a:pPr>
-            <a:r>
-              <a:rPr lang="ko-KR" altLang="en-US" sz="1600" dirty="0">
-                <a:ln>
-                  <a:solidFill>
-                    <a:schemeClr val="accent1">
-                      <a:shade val="50000"/>
-                      <a:alpha val="0"/>
-                    </a:schemeClr>
-                  </a:solidFill>
-                </a:ln>
-                <a:solidFill>
-                  <a:srgbClr val="150301"/>
-                </a:solidFill>
-                <a:latin typeface="나눔스퀘어 Light" panose="020B0600000101010101" pitchFamily="50" charset="-127"/>
-                <a:ea typeface="나눔스퀘어 Light" panose="020B0600000101010101" pitchFamily="50" charset="-127"/>
-              </a:rPr>
-              <a:t>분석하기 앞서 불필요한 컬럼을 제거하고 데이터들의 누락된 값과 전반적인 이상치를 각각 제거 밑 수정하는 과정을 거침</a:t>
-            </a:r>
-            <a:endParaRPr lang="en-US" altLang="ko-KR" sz="1600" dirty="0">
-              <a:ln>
-                <a:solidFill>
-                  <a:schemeClr val="accent1">
-                    <a:shade val="50000"/>
-                    <a:alpha val="0"/>
-                  </a:schemeClr>
-                </a:solidFill>
-              </a:ln>
-              <a:solidFill>
-                <a:srgbClr val="150301"/>
-              </a:solidFill>
-              <a:latin typeface="나눔스퀘어 Light" panose="020B0600000101010101" pitchFamily="50" charset="-127"/>
-              <a:ea typeface="나눔스퀘어 Light" panose="020B0600000101010101" pitchFamily="50" charset="-127"/>
-            </a:endParaRPr>
-          </a:p>
-          <a:p>
-            <a:pPr marL="0" lvl="1"/>
-            <a:endParaRPr lang="en-US" altLang="ko-KR" sz="1600" dirty="0">
-              <a:ln>
-                <a:solidFill>
-                  <a:schemeClr val="accent1">
-                    <a:shade val="50000"/>
-                    <a:alpha val="0"/>
-                  </a:schemeClr>
-                </a:solidFill>
-              </a:ln>
-              <a:solidFill>
-                <a:srgbClr val="150301"/>
-              </a:solidFill>
-              <a:latin typeface="나눔스퀘어 Light" panose="020B0600000101010101" pitchFamily="50" charset="-127"/>
-              <a:ea typeface="나눔스퀘어 Light" panose="020B0600000101010101" pitchFamily="50" charset="-127"/>
-            </a:endParaRPr>
-          </a:p>
-          <a:p>
-            <a:pPr marL="285750" lvl="1" indent="-285750">
-              <a:buFontTx/>
-              <a:buChar char="-"/>
-            </a:pPr>
-            <a:r>
-              <a:rPr lang="ko-KR" altLang="en-US" sz="1600" dirty="0">
-                <a:ln>
-                  <a:solidFill>
-                    <a:schemeClr val="accent1">
-                      <a:shade val="50000"/>
-                      <a:alpha val="0"/>
-                    </a:schemeClr>
-                  </a:solidFill>
-                </a:ln>
-                <a:solidFill>
-                  <a:srgbClr val="150301"/>
-                </a:solidFill>
-                <a:latin typeface="나눔스퀘어 Light" panose="020B0600000101010101" pitchFamily="50" charset="-127"/>
-                <a:ea typeface="나눔스퀘어 Light" panose="020B0600000101010101" pitchFamily="50" charset="-127"/>
-              </a:rPr>
-              <a:t>지역별 출고량 뿐만 아니라 전체 출고량을 나타내는 컬럼을 생성하여</a:t>
-            </a:r>
-            <a:r>
-              <a:rPr lang="en-US" altLang="ko-KR" sz="1600" dirty="0">
-                <a:ln>
-                  <a:solidFill>
-                    <a:schemeClr val="accent1">
-                      <a:shade val="50000"/>
-                      <a:alpha val="0"/>
-                    </a:schemeClr>
-                  </a:solidFill>
-                </a:ln>
-                <a:solidFill>
-                  <a:srgbClr val="150301"/>
-                </a:solidFill>
-                <a:latin typeface="나눔스퀘어 Light" panose="020B0600000101010101" pitchFamily="50" charset="-127"/>
-                <a:ea typeface="나눔스퀘어 Light" panose="020B0600000101010101" pitchFamily="50" charset="-127"/>
-              </a:rPr>
-              <a:t>, </a:t>
-            </a:r>
-            <a:r>
-              <a:rPr lang="ko-KR" altLang="en-US" sz="1600" dirty="0">
-                <a:ln>
-                  <a:solidFill>
-                    <a:schemeClr val="accent1">
-                      <a:shade val="50000"/>
-                      <a:alpha val="0"/>
-                    </a:schemeClr>
-                  </a:solidFill>
-                </a:ln>
-                <a:solidFill>
-                  <a:srgbClr val="150301"/>
-                </a:solidFill>
-                <a:latin typeface="나눔스퀘어 Light" panose="020B0600000101010101" pitchFamily="50" charset="-127"/>
-                <a:ea typeface="나눔스퀘어 Light" panose="020B0600000101010101" pitchFamily="50" charset="-127"/>
-              </a:rPr>
-              <a:t>전체 인기를 파악할 수 있도록 함</a:t>
-            </a:r>
-            <a:endParaRPr lang="en-US" altLang="ko-KR" sz="1600" dirty="0">
-              <a:ln>
-                <a:solidFill>
-                  <a:schemeClr val="accent1">
-                    <a:shade val="50000"/>
-                    <a:alpha val="0"/>
-                  </a:schemeClr>
-                </a:solidFill>
-              </a:ln>
-              <a:solidFill>
-                <a:srgbClr val="150301"/>
-              </a:solidFill>
-              <a:latin typeface="나눔스퀘어 Light" panose="020B0600000101010101" pitchFamily="50" charset="-127"/>
-              <a:ea typeface="나눔스퀘어 Light" panose="020B0600000101010101" pitchFamily="50" charset="-127"/>
-            </a:endParaRPr>
-          </a:p>
-          <a:p>
-            <a:pPr marL="285750" lvl="1" indent="-285750">
-              <a:buFontTx/>
-              <a:buChar char="-"/>
-            </a:pPr>
-            <a:endParaRPr lang="en-US" altLang="ko-KR" sz="1600" dirty="0">
-              <a:ln>
-                <a:solidFill>
-                  <a:schemeClr val="accent1">
-                    <a:shade val="50000"/>
-                    <a:alpha val="0"/>
-                  </a:schemeClr>
-                </a:solidFill>
-              </a:ln>
-              <a:solidFill>
-                <a:srgbClr val="150301"/>
-              </a:solidFill>
-              <a:latin typeface="나눔스퀘어 Light" panose="020B0600000101010101" pitchFamily="50" charset="-127"/>
-              <a:ea typeface="나눔스퀘어 Light" panose="020B0600000101010101" pitchFamily="50" charset="-127"/>
-            </a:endParaRPr>
-          </a:p>
-          <a:p>
-            <a:pPr marL="285750" lvl="1" indent="-285750">
-              <a:buFontTx/>
-              <a:buChar char="-"/>
-            </a:pPr>
-            <a:r>
-              <a:rPr lang="ko-KR" altLang="en-US" sz="1600" dirty="0">
-                <a:ln>
-                  <a:solidFill>
-                    <a:schemeClr val="accent1">
-                      <a:shade val="50000"/>
-                      <a:alpha val="0"/>
-                    </a:schemeClr>
-                  </a:solidFill>
-                </a:ln>
-                <a:solidFill>
-                  <a:srgbClr val="150301"/>
-                </a:solidFill>
-                <a:latin typeface="나눔스퀘어 Light" panose="020B0600000101010101" pitchFamily="50" charset="-127"/>
-                <a:ea typeface="나눔스퀘어 Light" panose="020B0600000101010101" pitchFamily="50" charset="-127"/>
-              </a:rPr>
-              <a:t>회사는 다양한 게임을 출시할 능력이 있는 대규모의 게임 회사로 가정</a:t>
-            </a:r>
-            <a:endParaRPr lang="en-US" altLang="ko-KR" sz="1600" dirty="0">
-              <a:ln>
-                <a:solidFill>
-                  <a:schemeClr val="accent1">
-                    <a:shade val="50000"/>
-                    <a:alpha val="0"/>
-                  </a:schemeClr>
-                </a:solidFill>
-              </a:ln>
-              <a:solidFill>
-                <a:srgbClr val="150301"/>
-              </a:solidFill>
-              <a:latin typeface="나눔스퀘어 Light" panose="020B0600000101010101" pitchFamily="50" charset="-127"/>
-              <a:ea typeface="나눔스퀘어 Light" panose="020B0600000101010101" pitchFamily="50" charset="-127"/>
-            </a:endParaRPr>
-          </a:p>
-          <a:p>
-            <a:pPr marL="285750" lvl="1" indent="-285750">
-              <a:buFontTx/>
-              <a:buChar char="-"/>
-            </a:pPr>
-            <a:endParaRPr lang="en-US" altLang="ko-KR" sz="1600" dirty="0">
-              <a:ln>
-                <a:solidFill>
-                  <a:schemeClr val="accent1">
-                    <a:shade val="50000"/>
-                    <a:alpha val="0"/>
-                  </a:schemeClr>
-                </a:solidFill>
-              </a:ln>
-              <a:solidFill>
-                <a:srgbClr val="150301"/>
-              </a:solidFill>
-              <a:latin typeface="나눔스퀘어 Light" panose="020B0600000101010101" pitchFamily="50" charset="-127"/>
-              <a:ea typeface="나눔스퀘어 Light" panose="020B0600000101010101" pitchFamily="50" charset="-127"/>
-            </a:endParaRPr>
-          </a:p>
-          <a:p>
-            <a:pPr marL="285750" lvl="1" indent="-285750">
-              <a:buFontTx/>
-              <a:buChar char="-"/>
-            </a:pPr>
-            <a:r>
-              <a:rPr lang="ko-KR" altLang="en-US" sz="1600" dirty="0">
-                <a:ln>
-                  <a:solidFill>
-                    <a:schemeClr val="accent1">
-                      <a:shade val="50000"/>
-                      <a:alpha val="0"/>
-                    </a:schemeClr>
-                  </a:solidFill>
-                </a:ln>
-                <a:solidFill>
-                  <a:srgbClr val="150301"/>
-                </a:solidFill>
-                <a:latin typeface="나눔스퀘어 Light" panose="020B0600000101010101" pitchFamily="50" charset="-127"/>
-                <a:ea typeface="나눔스퀘어 Light" panose="020B0600000101010101" pitchFamily="50" charset="-127"/>
-              </a:rPr>
-              <a:t>다국적 기업이므로 북미</a:t>
-            </a:r>
-            <a:r>
-              <a:rPr lang="en-US" altLang="ko-KR" sz="1600" dirty="0">
-                <a:ln>
-                  <a:solidFill>
-                    <a:schemeClr val="accent1">
-                      <a:shade val="50000"/>
-                      <a:alpha val="0"/>
-                    </a:schemeClr>
-                  </a:solidFill>
-                </a:ln>
-                <a:solidFill>
-                  <a:srgbClr val="150301"/>
-                </a:solidFill>
-                <a:latin typeface="나눔스퀘어 Light" panose="020B0600000101010101" pitchFamily="50" charset="-127"/>
-                <a:ea typeface="나눔스퀘어 Light" panose="020B0600000101010101" pitchFamily="50" charset="-127"/>
-              </a:rPr>
-              <a:t>, </a:t>
-            </a:r>
-            <a:r>
-              <a:rPr lang="ko-KR" altLang="en-US" sz="1600" dirty="0">
-                <a:ln>
-                  <a:solidFill>
-                    <a:schemeClr val="accent1">
-                      <a:shade val="50000"/>
-                      <a:alpha val="0"/>
-                    </a:schemeClr>
-                  </a:solidFill>
-                </a:ln>
-                <a:solidFill>
-                  <a:srgbClr val="150301"/>
-                </a:solidFill>
-                <a:latin typeface="나눔스퀘어 Light" panose="020B0600000101010101" pitchFamily="50" charset="-127"/>
-                <a:ea typeface="나눔스퀘어 Light" panose="020B0600000101010101" pitchFamily="50" charset="-127"/>
-              </a:rPr>
-              <a:t>유럽</a:t>
-            </a:r>
-            <a:r>
-              <a:rPr lang="en-US" altLang="ko-KR" sz="1600" dirty="0">
-                <a:ln>
-                  <a:solidFill>
-                    <a:schemeClr val="accent1">
-                      <a:shade val="50000"/>
-                      <a:alpha val="0"/>
-                    </a:schemeClr>
-                  </a:solidFill>
-                </a:ln>
-                <a:solidFill>
-                  <a:srgbClr val="150301"/>
-                </a:solidFill>
-                <a:latin typeface="나눔스퀘어 Light" panose="020B0600000101010101" pitchFamily="50" charset="-127"/>
-                <a:ea typeface="나눔스퀘어 Light" panose="020B0600000101010101" pitchFamily="50" charset="-127"/>
-              </a:rPr>
-              <a:t>, </a:t>
-            </a:r>
-            <a:r>
-              <a:rPr lang="ko-KR" altLang="en-US" sz="1600" dirty="0">
-                <a:ln>
-                  <a:solidFill>
-                    <a:schemeClr val="accent1">
-                      <a:shade val="50000"/>
-                      <a:alpha val="0"/>
-                    </a:schemeClr>
-                  </a:solidFill>
-                </a:ln>
-                <a:solidFill>
-                  <a:srgbClr val="150301"/>
-                </a:solidFill>
-                <a:latin typeface="나눔스퀘어 Light" panose="020B0600000101010101" pitchFamily="50" charset="-127"/>
-                <a:ea typeface="나눔스퀘어 Light" panose="020B0600000101010101" pitchFamily="50" charset="-127"/>
-              </a:rPr>
-              <a:t>일본 지역 모두 진출하고 있음</a:t>
-            </a:r>
-            <a:endParaRPr lang="en-US" altLang="ko-KR" sz="1600" dirty="0">
-              <a:ln>
-                <a:solidFill>
-                  <a:schemeClr val="accent1">
-                    <a:shade val="50000"/>
-                    <a:alpha val="0"/>
-                  </a:schemeClr>
-                </a:solidFill>
-              </a:ln>
-              <a:solidFill>
-                <a:srgbClr val="150301"/>
-              </a:solidFill>
-              <a:latin typeface="나눔스퀘어 Light" panose="020B0600000101010101" pitchFamily="50" charset="-127"/>
-              <a:ea typeface="나눔스퀘어 Light" panose="020B0600000101010101" pitchFamily="50" charset="-127"/>
-            </a:endParaRPr>
-          </a:p>
-        </p:txBody>
-      </p:sp>
-      <p:sp>
-        <p:nvSpPr>
-          <p:cNvPr id="35" name="TextBox 34">
-            <a:extLst>
-              <a:ext uri="{FF2B5EF4-FFF2-40B4-BE49-F238E27FC236}">
-                <a16:creationId xmlns:a16="http://schemas.microsoft.com/office/drawing/2014/main" id="{B2D09C5D-A4F4-4C99-A797-7EAE1C2E59A5}"/>
-              </a:ext>
-            </a:extLst>
-          </p:cNvPr>
-          <p:cNvSpPr txBox="1"/>
-          <p:nvPr/>
-        </p:nvSpPr>
-        <p:spPr>
-          <a:xfrm>
-            <a:off x="618949" y="736954"/>
-            <a:ext cx="8959004" cy="707886"/>
-          </a:xfrm>
-          <a:prstGeom prst="rect">
-            <a:avLst/>
-          </a:prstGeom>
-          <a:noFill/>
-        </p:spPr>
-        <p:txBody>
-          <a:bodyPr wrap="square" rtlCol="0">
-            <a:spAutoFit/>
-          </a:bodyPr>
-          <a:lstStyle/>
-          <a:p>
-            <a:r>
-              <a:rPr lang="en-US" altLang="ko-KR" sz="4000" b="1" dirty="0">
-                <a:ln w="31750">
-                  <a:solidFill>
-                    <a:schemeClr val="tx1">
-                      <a:lumMod val="85000"/>
-                      <a:lumOff val="15000"/>
-                    </a:schemeClr>
-                  </a:solidFill>
-                  <a:prstDash val="solid"/>
-                </a:ln>
-                <a:solidFill>
-                  <a:srgbClr val="FF0000"/>
-                </a:solidFill>
-                <a:effectLst>
-                  <a:outerShdw dist="76200" dir="3360000" algn="bl" rotWithShape="0">
-                    <a:schemeClr val="tx2">
-                      <a:lumMod val="75000"/>
-                    </a:schemeClr>
-                  </a:outerShdw>
-                </a:effectLst>
-                <a:latin typeface="둥근모꼴" panose="020B0500000000000000" pitchFamily="50" charset="-127"/>
-                <a:ea typeface="둥근모꼴" panose="020B0500000000000000" pitchFamily="50" charset="-127"/>
-                <a:cs typeface="둥근모꼴" panose="020B0500000000000000" pitchFamily="50" charset="-127"/>
-              </a:rPr>
-              <a:t>Chapter 01 – Data Analyses</a:t>
-            </a:r>
-            <a:endParaRPr lang="ko-KR" altLang="en-US" sz="4000" b="1" dirty="0">
-              <a:ln w="31750">
-                <a:solidFill>
-                  <a:schemeClr val="tx1">
-                    <a:lumMod val="85000"/>
-                    <a:lumOff val="15000"/>
-                  </a:schemeClr>
-                </a:solidFill>
-                <a:prstDash val="solid"/>
-              </a:ln>
-              <a:solidFill>
-                <a:srgbClr val="FF0000"/>
-              </a:solidFill>
-              <a:effectLst>
-                <a:outerShdw dist="76200" dir="3360000" algn="bl" rotWithShape="0">
-                  <a:schemeClr val="tx2">
-                    <a:lumMod val="75000"/>
-                  </a:schemeClr>
-                </a:outerShdw>
-              </a:effectLst>
-              <a:latin typeface="둥근모꼴" panose="020B0500000000000000" pitchFamily="50" charset="-127"/>
-              <a:ea typeface="둥근모꼴" panose="020B0500000000000000" pitchFamily="50" charset="-127"/>
-              <a:cs typeface="둥근모꼴" panose="020B0500000000000000" pitchFamily="50" charset="-127"/>
-            </a:endParaRPr>
-          </a:p>
-        </p:txBody>
-      </p:sp>
-      <p:sp>
-        <p:nvSpPr>
-          <p:cNvPr id="3" name="TextBox 2">
-            <a:extLst>
-              <a:ext uri="{FF2B5EF4-FFF2-40B4-BE49-F238E27FC236}">
-                <a16:creationId xmlns:a16="http://schemas.microsoft.com/office/drawing/2014/main" id="{7C0289A1-3B63-DF52-B6A3-6A1D9B8D8C59}"/>
-              </a:ext>
-            </a:extLst>
-          </p:cNvPr>
-          <p:cNvSpPr txBox="1"/>
-          <p:nvPr/>
-        </p:nvSpPr>
-        <p:spPr>
-          <a:xfrm>
-            <a:off x="792062" y="1405261"/>
-            <a:ext cx="6399152" cy="430887"/>
-          </a:xfrm>
-          <a:prstGeom prst="rect">
-            <a:avLst/>
-          </a:prstGeom>
-          <a:noFill/>
-        </p:spPr>
-        <p:txBody>
-          <a:bodyPr wrap="square" rtlCol="0">
-            <a:spAutoFit/>
-          </a:bodyPr>
-          <a:lstStyle/>
-          <a:p>
-            <a:r>
-              <a:rPr lang="en-US" altLang="ko-KR" sz="2200" b="1" spc="300" dirty="0">
-                <a:ln w="31750">
-                  <a:solidFill>
-                    <a:schemeClr val="tx1">
-                      <a:lumMod val="85000"/>
-                      <a:lumOff val="15000"/>
-                    </a:schemeClr>
-                  </a:solidFill>
-                  <a:prstDash val="solid"/>
-                </a:ln>
-                <a:solidFill>
-                  <a:srgbClr val="00B050"/>
-                </a:solidFill>
-                <a:effectLst>
-                  <a:outerShdw dist="76200" dir="3360000" algn="bl" rotWithShape="0">
-                    <a:schemeClr val="tx2">
-                      <a:lumMod val="75000"/>
-                    </a:schemeClr>
-                  </a:outerShdw>
-                </a:effectLst>
-                <a:latin typeface="둥근모꼴" panose="020B0500000000000000" pitchFamily="50" charset="-127"/>
-                <a:ea typeface="둥근모꼴" panose="020B0500000000000000" pitchFamily="50" charset="-127"/>
-                <a:cs typeface="둥근모꼴" panose="020B0500000000000000" pitchFamily="50" charset="-127"/>
-              </a:rPr>
-              <a:t>Analysis Method / Assume </a:t>
-            </a:r>
-            <a:endParaRPr lang="ko-KR" altLang="en-US" sz="2200" b="1" spc="300" dirty="0">
-              <a:ln w="31750">
-                <a:solidFill>
-                  <a:schemeClr val="tx1">
-                    <a:lumMod val="85000"/>
-                    <a:lumOff val="15000"/>
-                  </a:schemeClr>
-                </a:solidFill>
-                <a:prstDash val="solid"/>
-              </a:ln>
-              <a:solidFill>
-                <a:srgbClr val="00B050"/>
-              </a:solidFill>
-              <a:effectLst>
-                <a:outerShdw dist="76200" dir="3360000" algn="bl" rotWithShape="0">
-                  <a:schemeClr val="tx2">
-                    <a:lumMod val="75000"/>
-                  </a:schemeClr>
-                </a:outerShdw>
-              </a:effectLst>
-              <a:latin typeface="둥근모꼴" panose="020B0500000000000000" pitchFamily="50" charset="-127"/>
-              <a:ea typeface="둥근모꼴" panose="020B0500000000000000" pitchFamily="50" charset="-127"/>
-              <a:cs typeface="둥근모꼴" panose="020B0500000000000000" pitchFamily="50" charset="-127"/>
-            </a:endParaRPr>
-          </a:p>
-        </p:txBody>
-      </p:sp>
-    </p:spTree>
-    <p:extLst>
-      <p:ext uri="{BB962C8B-B14F-4D97-AF65-F5344CB8AC3E}">
-        <p14:creationId xmlns:p14="http://schemas.microsoft.com/office/powerpoint/2010/main" val="3951101512"/>
-      </p:ext>
-    </p:extLst>
-  </p:cSld>
-  <p:clrMapOvr>
-    <a:masterClrMapping/>
-  </p:clrMapOvr>
-</p:sld>
-</file>
-
-<file path=ppt/slides/slide30.xml><?xml version="1.0" encoding="utf-8"?>
+<file path=ppt/slides/slide34.xml><?xml version="1.0" encoding="utf-8"?>
 <p:sld xmlns:a="http://schemas.openxmlformats.org/drawingml/2006/main" xmlns:r="http://schemas.openxmlformats.org/officeDocument/2006/relationships" xmlns:p="http://schemas.openxmlformats.org/presentationml/2006/main">
   <p:cSld>
     <p:spTree>

--- a/AIB17_Section1_Project_김현섭.pptx
+++ b/AIB17_Section1_Project_김현섭.pptx
@@ -4425,7 +4425,7 @@
         <p:spPr>
           <a:xfrm>
             <a:off x="787361" y="2113147"/>
-            <a:ext cx="10197827" cy="2308324"/>
+            <a:ext cx="10197827" cy="1754326"/>
           </a:xfrm>
           <a:prstGeom prst="rect">
             <a:avLst/>
@@ -4539,7 +4539,43 @@
                 <a:latin typeface="나눔스퀘어 Light" panose="020B0600000101010101" pitchFamily="50" charset="-127"/>
                 <a:ea typeface="나눔스퀘어 Light" panose="020B0600000101010101" pitchFamily="50" charset="-127"/>
               </a:rPr>
-              <a:t>의 검정 결과의 </a:t>
+              <a:t>의 </a:t>
+            </a:r>
+            <a:r>
+              <a:rPr lang="ko-KR" altLang="en-US" dirty="0" err="1">
+                <a:ln>
+                  <a:solidFill>
+                    <a:schemeClr val="accent1">
+                      <a:shade val="50000"/>
+                      <a:alpha val="0"/>
+                    </a:schemeClr>
+                  </a:solidFill>
+                </a:ln>
+                <a:solidFill>
+                  <a:srgbClr val="150301"/>
+                </a:solidFill>
+                <a:latin typeface="나눔스퀘어 Light" panose="020B0600000101010101" pitchFamily="50" charset="-127"/>
+                <a:ea typeface="나눔스퀘어 Light" panose="020B0600000101010101" pitchFamily="50" charset="-127"/>
+              </a:rPr>
+              <a:t>카이제곱검정</a:t>
+            </a:r>
+            <a:r>
+              <a:rPr lang="ko-KR" altLang="en-US" dirty="0">
+                <a:ln>
+                  <a:solidFill>
+                    <a:schemeClr val="accent1">
+                      <a:shade val="50000"/>
+                      <a:alpha val="0"/>
+                    </a:schemeClr>
+                  </a:solidFill>
+                </a:ln>
+                <a:solidFill>
+                  <a:srgbClr val="150301"/>
+                </a:solidFill>
+                <a:latin typeface="나눔스퀘어 Light" panose="020B0600000101010101" pitchFamily="50" charset="-127"/>
+                <a:ea typeface="나눔스퀘어 Light" panose="020B0600000101010101" pitchFamily="50" charset="-127"/>
+              </a:rPr>
+              <a:t> </a:t>
             </a:r>
             <a:r>
               <a:rPr lang="en-US" altLang="ko-KR" dirty="0">
@@ -4945,66 +4981,6 @@
                 <a:ea typeface="나눔스퀘어 Light" panose="020B0600000101010101" pitchFamily="50" charset="-127"/>
               </a:rPr>
               <a:t>가지로 나눔</a:t>
-            </a:r>
-            <a:endParaRPr lang="en-US" altLang="ko-KR" dirty="0">
-              <a:ln>
-                <a:solidFill>
-                  <a:schemeClr val="accent1">
-                    <a:shade val="50000"/>
-                    <a:alpha val="0"/>
-                  </a:schemeClr>
-                </a:solidFill>
-              </a:ln>
-              <a:solidFill>
-                <a:srgbClr val="150301"/>
-              </a:solidFill>
-              <a:latin typeface="나눔스퀘어 Light" panose="020B0600000101010101" pitchFamily="50" charset="-127"/>
-              <a:ea typeface="나눔스퀘어 Light" panose="020B0600000101010101" pitchFamily="50" charset="-127"/>
-            </a:endParaRPr>
-          </a:p>
-          <a:p>
-            <a:pPr marL="285750" lvl="1" indent="-285750">
-              <a:buFontTx/>
-              <a:buChar char="-"/>
-            </a:pPr>
-            <a:endParaRPr lang="en-US" altLang="ko-KR" dirty="0">
-              <a:ln>
-                <a:solidFill>
-                  <a:schemeClr val="accent1">
-                    <a:shade val="50000"/>
-                    <a:alpha val="0"/>
-                  </a:schemeClr>
-                </a:solidFill>
-              </a:ln>
-              <a:solidFill>
-                <a:srgbClr val="150301"/>
-              </a:solidFill>
-              <a:latin typeface="나눔스퀘어 Light" panose="020B0600000101010101" pitchFamily="50" charset="-127"/>
-              <a:ea typeface="나눔스퀘어 Light" panose="020B0600000101010101" pitchFamily="50" charset="-127"/>
-            </a:endParaRPr>
-          </a:p>
-          <a:p>
-            <a:pPr marL="285750" lvl="1" indent="-285750">
-              <a:buFontTx/>
-              <a:buChar char="-"/>
-            </a:pPr>
-            <a:r>
-              <a:rPr lang="ko-KR" altLang="en-US" dirty="0">
-                <a:ln>
-                  <a:solidFill>
-                    <a:schemeClr val="accent1">
-                      <a:shade val="50000"/>
-                      <a:alpha val="0"/>
-                    </a:schemeClr>
-                  </a:solidFill>
-                </a:ln>
-                <a:solidFill>
-                  <a:srgbClr val="150301"/>
-                </a:solidFill>
-                <a:latin typeface="나눔스퀘어 Light" panose="020B0600000101010101" pitchFamily="50" charset="-127"/>
-                <a:ea typeface="나눔스퀘어 Light" panose="020B0600000101010101" pitchFamily="50" charset="-127"/>
-              </a:rPr>
-              <a:t>지역별로도 연도별 트렌드에 차이가 있는지 분석함</a:t>
             </a:r>
             <a:endParaRPr lang="en-US" altLang="ko-KR" dirty="0">
               <a:ln>
@@ -19233,7 +19209,43 @@
                 <a:latin typeface="나눔스퀘어 Light" panose="020B0600000101010101" pitchFamily="50" charset="-127"/>
                 <a:ea typeface="나눔스퀘어 Light" panose="020B0600000101010101" pitchFamily="50" charset="-127"/>
               </a:rPr>
-              <a:t>앞의 결과로 보듯이 지역별 장르 선호의 검정 결과의 </a:t>
+              <a:t>앞의 결과로 보듯이 지역별 장르 선호의 </a:t>
+            </a:r>
+            <a:r>
+              <a:rPr lang="ko-KR" altLang="en-US" dirty="0" err="1">
+                <a:ln>
+                  <a:solidFill>
+                    <a:schemeClr val="accent1">
+                      <a:shade val="50000"/>
+                      <a:alpha val="0"/>
+                    </a:schemeClr>
+                  </a:solidFill>
+                </a:ln>
+                <a:solidFill>
+                  <a:srgbClr val="150301"/>
+                </a:solidFill>
+                <a:latin typeface="나눔스퀘어 Light" panose="020B0600000101010101" pitchFamily="50" charset="-127"/>
+                <a:ea typeface="나눔스퀘어 Light" panose="020B0600000101010101" pitchFamily="50" charset="-127"/>
+              </a:rPr>
+              <a:t>카이제곱검정</a:t>
+            </a:r>
+            <a:r>
+              <a:rPr lang="ko-KR" altLang="en-US" dirty="0">
+                <a:ln>
+                  <a:solidFill>
+                    <a:schemeClr val="accent1">
+                      <a:shade val="50000"/>
+                      <a:alpha val="0"/>
+                    </a:schemeClr>
+                  </a:solidFill>
+                </a:ln>
+                <a:solidFill>
+                  <a:srgbClr val="150301"/>
+                </a:solidFill>
+                <a:latin typeface="나눔스퀘어 Light" panose="020B0600000101010101" pitchFamily="50" charset="-127"/>
+                <a:ea typeface="나눔스퀘어 Light" panose="020B0600000101010101" pitchFamily="50" charset="-127"/>
+              </a:rPr>
+              <a:t> </a:t>
             </a:r>
             <a:r>
               <a:rPr lang="en-US" altLang="ko-KR" dirty="0">
